--- a/diagrams.pptx
+++ b/diagrams.pptx
@@ -3439,48 +3439,6 @@
       </p:sp>
       <p:sp>
         <p:nvSpPr>
-          <p:cNvPr id="10" name="Right Arrow 9"/>
-          <p:cNvSpPr/>
-          <p:nvPr/>
-        </p:nvSpPr>
-        <p:spPr>
-          <a:xfrm>
-            <a:off x="2344167" y="2472842"/>
-            <a:ext cx="1148334" cy="658267"/>
-          </a:xfrm>
-          <a:prstGeom prst="rightArrow">
-            <a:avLst/>
-          </a:prstGeom>
-        </p:spPr>
-        <p:style>
-          <a:lnRef idx="1">
-            <a:schemeClr val="accent6"/>
-          </a:lnRef>
-          <a:fillRef idx="2">
-            <a:schemeClr val="accent6"/>
-          </a:fillRef>
-          <a:effectRef idx="1">
-            <a:schemeClr val="accent6"/>
-          </a:effectRef>
-          <a:fontRef idx="minor">
-            <a:schemeClr val="dk1"/>
-          </a:fontRef>
-        </p:style>
-        <p:txBody>
-          <a:bodyPr rtlCol="0" anchor="ctr"/>
-          <a:lstStyle/>
-          <a:p>
-            <a:pPr algn="ctr"/>
-            <a:r>
-              <a:rPr lang="en-US" sz="1600" smtClean="0"/>
-              <a:t>Convnets</a:t>
-            </a:r>
-            <a:endParaRPr lang="en-US" sz="1600" dirty="0" smtClean="0"/>
-          </a:p>
-        </p:txBody>
-      </p:sp>
-      <p:sp>
-        <p:nvSpPr>
           <p:cNvPr id="14" name="Rounded Rectangle 13"/>
           <p:cNvSpPr/>
           <p:nvPr/>
@@ -3522,164 +3480,12 @@
             <a:pPr algn="ctr"/>
             <a:r>
               <a:rPr lang="en-US" sz="1600" dirty="0" smtClean="0"/>
-              <a:t>models</a:t>
+              <a:t>Models parameters</a:t>
             </a:r>
             <a:endParaRPr lang="en-US" sz="1600" dirty="0"/>
           </a:p>
         </p:txBody>
       </p:sp>
-      <p:sp>
-        <p:nvSpPr>
-          <p:cNvPr id="16" name="Rectangle 15"/>
-          <p:cNvSpPr/>
-          <p:nvPr/>
-        </p:nvSpPr>
-        <p:spPr>
-          <a:xfrm>
-            <a:off x="29164" y="786595"/>
-            <a:ext cx="936036" cy="518109"/>
-          </a:xfrm>
-          <a:prstGeom prst="rect">
-            <a:avLst/>
-          </a:prstGeom>
-        </p:spPr>
-        <p:style>
-          <a:lnRef idx="2">
-            <a:schemeClr val="accent1">
-              <a:shade val="50000"/>
-            </a:schemeClr>
-          </a:lnRef>
-          <a:fillRef idx="1">
-            <a:schemeClr val="accent1"/>
-          </a:fillRef>
-          <a:effectRef idx="0">
-            <a:schemeClr val="accent1"/>
-          </a:effectRef>
-          <a:fontRef idx="minor">
-            <a:schemeClr val="lt1"/>
-          </a:fontRef>
-        </p:style>
-        <p:txBody>
-          <a:bodyPr rtlCol="0" anchor="ctr"/>
-          <a:lstStyle/>
-          <a:p>
-            <a:pPr algn="ctr"/>
-            <a:r>
-              <a:rPr lang="en-US" sz="1600" smtClean="0"/>
-              <a:t>150*150 pixels</a:t>
-            </a:r>
-            <a:endParaRPr lang="en-US" sz="1600"/>
-          </a:p>
-        </p:txBody>
-      </p:sp>
-      <p:cxnSp>
-        <p:nvCxnSpPr>
-          <p:cNvPr id="18" name="Straight Arrow Connector 17"/>
-          <p:cNvCxnSpPr/>
-          <p:nvPr/>
-        </p:nvCxnSpPr>
-        <p:spPr>
-          <a:xfrm>
-            <a:off x="482259" y="1348689"/>
-            <a:ext cx="383683" cy="436232"/>
-          </a:xfrm>
-          <a:prstGeom prst="straightConnector1">
-            <a:avLst/>
-          </a:prstGeom>
-          <a:ln>
-            <a:tailEnd type="triangle"/>
-          </a:ln>
-        </p:spPr>
-        <p:style>
-          <a:lnRef idx="1">
-            <a:schemeClr val="accent1"/>
-          </a:lnRef>
-          <a:fillRef idx="0">
-            <a:schemeClr val="accent1"/>
-          </a:fillRef>
-          <a:effectRef idx="0">
-            <a:schemeClr val="accent1"/>
-          </a:effectRef>
-          <a:fontRef idx="minor">
-            <a:schemeClr val="tx1"/>
-          </a:fontRef>
-        </p:style>
-      </p:cxnSp>
-      <p:sp>
-        <p:nvSpPr>
-          <p:cNvPr id="19" name="Rectangle 18"/>
-          <p:cNvSpPr/>
-          <p:nvPr/>
-        </p:nvSpPr>
-        <p:spPr>
-          <a:xfrm>
-            <a:off x="29164" y="4370696"/>
-            <a:ext cx="936035" cy="512739"/>
-          </a:xfrm>
-          <a:prstGeom prst="rect">
-            <a:avLst/>
-          </a:prstGeom>
-        </p:spPr>
-        <p:style>
-          <a:lnRef idx="1">
-            <a:schemeClr val="accent5"/>
-          </a:lnRef>
-          <a:fillRef idx="2">
-            <a:schemeClr val="accent5"/>
-          </a:fillRef>
-          <a:effectRef idx="1">
-            <a:schemeClr val="accent5"/>
-          </a:effectRef>
-          <a:fontRef idx="minor">
-            <a:schemeClr val="dk1"/>
-          </a:fontRef>
-        </p:style>
-        <p:txBody>
-          <a:bodyPr rtlCol="0" anchor="ctr"/>
-          <a:lstStyle/>
-          <a:p>
-            <a:pPr algn="ctr"/>
-            <a:r>
-              <a:rPr lang="en-US" sz="1600" dirty="0" smtClean="0"/>
-              <a:t>150*150 pixels</a:t>
-            </a:r>
-            <a:endParaRPr lang="en-US" sz="1600" dirty="0"/>
-          </a:p>
-        </p:txBody>
-      </p:sp>
-      <p:cxnSp>
-        <p:nvCxnSpPr>
-          <p:cNvPr id="20" name="Straight Arrow Connector 19"/>
-          <p:cNvCxnSpPr/>
-          <p:nvPr/>
-        </p:nvCxnSpPr>
-        <p:spPr>
-          <a:xfrm flipV="1">
-            <a:off x="383341" y="4018023"/>
-            <a:ext cx="482601" cy="367860"/>
-          </a:xfrm>
-          <a:prstGeom prst="straightConnector1">
-            <a:avLst/>
-          </a:prstGeom>
-          <a:ln>
-            <a:tailEnd type="triangle"/>
-          </a:ln>
-        </p:spPr>
-        <p:style>
-          <a:lnRef idx="1">
-            <a:schemeClr val="accent1"/>
-          </a:lnRef>
-          <a:fillRef idx="0">
-            <a:schemeClr val="accent1"/>
-          </a:fillRef>
-          <a:effectRef idx="0">
-            <a:schemeClr val="accent1"/>
-          </a:effectRef>
-          <a:fontRef idx="minor">
-            <a:schemeClr val="tx1"/>
-          </a:fontRef>
-        </p:style>
-      </p:cxnSp>
       <p:sp>
         <p:nvSpPr>
           <p:cNvPr id="29" name="Rectangle 28"/>
@@ -4060,8 +3866,8 @@
         </p:nvSpPr>
         <p:spPr>
           <a:xfrm>
-            <a:off x="4746827" y="2494136"/>
-            <a:ext cx="948315" cy="675671"/>
+            <a:off x="4721034" y="2592774"/>
+            <a:ext cx="962311" cy="460147"/>
           </a:xfrm>
           <a:prstGeom prst="rightArrow">
             <a:avLst/>
@@ -4214,6 +4020,764 @@
             <a:r>
               <a:rPr lang="en-US" smtClean="0"/>
               <a:t>Best Model</a:t>
+            </a:r>
+          </a:p>
+        </p:txBody>
+      </p:sp>
+      <p:sp>
+        <p:nvSpPr>
+          <p:cNvPr id="22" name="Rectangle 21"/>
+          <p:cNvSpPr/>
+          <p:nvPr/>
+        </p:nvSpPr>
+        <p:spPr>
+          <a:xfrm>
+            <a:off x="643127" y="446676"/>
+            <a:ext cx="1150933" cy="662536"/>
+          </a:xfrm>
+          <a:prstGeom prst="rect">
+            <a:avLst/>
+          </a:prstGeom>
+          <a:ln/>
+        </p:spPr>
+        <p:style>
+          <a:lnRef idx="2">
+            <a:schemeClr val="accent1">
+              <a:shade val="50000"/>
+            </a:schemeClr>
+          </a:lnRef>
+          <a:fillRef idx="1">
+            <a:schemeClr val="accent1"/>
+          </a:fillRef>
+          <a:effectRef idx="0">
+            <a:schemeClr val="accent1"/>
+          </a:effectRef>
+          <a:fontRef idx="minor">
+            <a:schemeClr val="lt1"/>
+          </a:fontRef>
+        </p:style>
+        <p:txBody>
+          <a:bodyPr rtlCol="0" anchor="ctr"/>
+          <a:lstStyle/>
+          <a:p>
+            <a:pPr algn="ctr"/>
+            <a:r>
+              <a:rPr lang="en-US" sz="1600" dirty="0" smtClean="0"/>
+              <a:t>Linear</a:t>
+            </a:r>
+          </a:p>
+          <a:p>
+            <a:pPr algn="ctr"/>
+            <a:r>
+              <a:rPr lang="en-US" sz="1600" dirty="0" smtClean="0"/>
+              <a:t>Simulation</a:t>
+            </a:r>
+          </a:p>
+        </p:txBody>
+      </p:sp>
+      <p:sp>
+        <p:nvSpPr>
+          <p:cNvPr id="23" name="Right Arrow 22"/>
+          <p:cNvSpPr/>
+          <p:nvPr/>
+        </p:nvSpPr>
+        <p:spPr>
+          <a:xfrm rot="5400000">
+            <a:off x="873410" y="1255156"/>
+            <a:ext cx="625494" cy="388418"/>
+          </a:xfrm>
+          <a:prstGeom prst="rightArrow">
+            <a:avLst/>
+          </a:prstGeom>
+        </p:spPr>
+        <p:style>
+          <a:lnRef idx="2">
+            <a:schemeClr val="accent1">
+              <a:shade val="50000"/>
+            </a:schemeClr>
+          </a:lnRef>
+          <a:fillRef idx="1">
+            <a:schemeClr val="accent1"/>
+          </a:fillRef>
+          <a:effectRef idx="0">
+            <a:schemeClr val="accent1"/>
+          </a:effectRef>
+          <a:fontRef idx="minor">
+            <a:schemeClr val="lt1"/>
+          </a:fontRef>
+        </p:style>
+        <p:txBody>
+          <a:bodyPr rtlCol="0" anchor="ctr"/>
+          <a:lstStyle/>
+          <a:p>
+            <a:pPr algn="ctr"/>
+            <a:endParaRPr lang="en-US"/>
+          </a:p>
+        </p:txBody>
+      </p:sp>
+      <p:sp>
+        <p:nvSpPr>
+          <p:cNvPr id="24" name="Rectangle 23"/>
+          <p:cNvSpPr/>
+          <p:nvPr/>
+        </p:nvSpPr>
+        <p:spPr>
+          <a:xfrm>
+            <a:off x="686159" y="4745006"/>
+            <a:ext cx="1064868" cy="701706"/>
+          </a:xfrm>
+          <a:prstGeom prst="rect">
+            <a:avLst/>
+          </a:prstGeom>
+        </p:spPr>
+        <p:style>
+          <a:lnRef idx="1">
+            <a:schemeClr val="accent5"/>
+          </a:lnRef>
+          <a:fillRef idx="2">
+            <a:schemeClr val="accent5"/>
+          </a:fillRef>
+          <a:effectRef idx="1">
+            <a:schemeClr val="accent5"/>
+          </a:effectRef>
+          <a:fontRef idx="minor">
+            <a:schemeClr val="dk1"/>
+          </a:fontRef>
+        </p:style>
+        <p:txBody>
+          <a:bodyPr rtlCol="0" anchor="ctr"/>
+          <a:lstStyle/>
+          <a:p>
+            <a:pPr algn="ctr"/>
+            <a:r>
+              <a:rPr lang="en-US" sz="1600" dirty="0" smtClean="0"/>
+              <a:t>Null</a:t>
+            </a:r>
+          </a:p>
+          <a:p>
+            <a:pPr algn="ctr"/>
+            <a:r>
+              <a:rPr lang="en-US" sz="1600" dirty="0" smtClean="0"/>
+              <a:t>Simulation</a:t>
+            </a:r>
+          </a:p>
+        </p:txBody>
+      </p:sp>
+      <p:sp>
+        <p:nvSpPr>
+          <p:cNvPr id="25" name="Up Arrow 24"/>
+          <p:cNvSpPr/>
+          <p:nvPr/>
+        </p:nvSpPr>
+        <p:spPr>
+          <a:xfrm>
+            <a:off x="1026586" y="4002836"/>
+            <a:ext cx="442117" cy="704070"/>
+          </a:xfrm>
+          <a:prstGeom prst="upArrow">
+            <a:avLst/>
+          </a:prstGeom>
+        </p:spPr>
+        <p:style>
+          <a:lnRef idx="1">
+            <a:schemeClr val="accent5"/>
+          </a:lnRef>
+          <a:fillRef idx="2">
+            <a:schemeClr val="accent5"/>
+          </a:fillRef>
+          <a:effectRef idx="1">
+            <a:schemeClr val="accent5"/>
+          </a:effectRef>
+          <a:fontRef idx="minor">
+            <a:schemeClr val="dk1"/>
+          </a:fontRef>
+        </p:style>
+        <p:txBody>
+          <a:bodyPr rtlCol="0" anchor="ctr"/>
+          <a:lstStyle/>
+          <a:p>
+            <a:pPr algn="ctr"/>
+            <a:endParaRPr lang="en-US"/>
+          </a:p>
+        </p:txBody>
+      </p:sp>
+      <p:sp>
+        <p:nvSpPr>
+          <p:cNvPr id="2" name="Oval 1"/>
+          <p:cNvSpPr/>
+          <p:nvPr/>
+        </p:nvSpPr>
+        <p:spPr>
+          <a:xfrm>
+            <a:off x="2589798" y="1327942"/>
+            <a:ext cx="949833" cy="413433"/>
+          </a:xfrm>
+          <a:prstGeom prst="ellipse">
+            <a:avLst/>
+          </a:prstGeom>
+        </p:spPr>
+        <p:style>
+          <a:lnRef idx="2">
+            <a:schemeClr val="accent1">
+              <a:shade val="50000"/>
+            </a:schemeClr>
+          </a:lnRef>
+          <a:fillRef idx="1">
+            <a:schemeClr val="accent1"/>
+          </a:fillRef>
+          <a:effectRef idx="0">
+            <a:schemeClr val="accent1"/>
+          </a:effectRef>
+          <a:fontRef idx="minor">
+            <a:schemeClr val="lt1"/>
+          </a:fontRef>
+        </p:style>
+        <p:txBody>
+          <a:bodyPr rtlCol="0" anchor="ctr"/>
+          <a:lstStyle/>
+          <a:p>
+            <a:pPr algn="ctr"/>
+            <a:r>
+              <a:rPr lang="en-US" sz="1200" dirty="0" smtClean="0"/>
+              <a:t>3D tensor</a:t>
+            </a:r>
+            <a:endParaRPr lang="en-US" sz="1200" dirty="0"/>
+          </a:p>
+        </p:txBody>
+      </p:sp>
+      <p:cxnSp>
+        <p:nvCxnSpPr>
+          <p:cNvPr id="4" name="Curved Connector 3"/>
+          <p:cNvCxnSpPr>
+            <a:stCxn id="7" idx="3"/>
+            <a:endCxn id="2" idx="4"/>
+          </p:cNvCxnSpPr>
+          <p:nvPr/>
+        </p:nvCxnSpPr>
+        <p:spPr>
+          <a:xfrm flipV="1">
+            <a:off x="2343150" y="1741375"/>
+            <a:ext cx="721565" cy="555870"/>
+          </a:xfrm>
+          <a:prstGeom prst="curvedConnector2">
+            <a:avLst/>
+          </a:prstGeom>
+          <a:ln>
+            <a:tailEnd type="triangle"/>
+          </a:ln>
+        </p:spPr>
+        <p:style>
+          <a:lnRef idx="1">
+            <a:schemeClr val="accent1"/>
+          </a:lnRef>
+          <a:fillRef idx="0">
+            <a:schemeClr val="accent1"/>
+          </a:fillRef>
+          <a:effectRef idx="0">
+            <a:schemeClr val="accent1"/>
+          </a:effectRef>
+          <a:fontRef idx="minor">
+            <a:schemeClr val="tx1"/>
+          </a:fontRef>
+        </p:style>
+      </p:cxnSp>
+      <p:cxnSp>
+        <p:nvCxnSpPr>
+          <p:cNvPr id="6" name="Curved Connector 5"/>
+          <p:cNvCxnSpPr>
+            <a:stCxn id="2" idx="7"/>
+          </p:cNvCxnSpPr>
+          <p:nvPr/>
+        </p:nvCxnSpPr>
+        <p:spPr>
+          <a:xfrm rot="5400000" flipH="1" flipV="1">
+            <a:off x="3661516" y="949451"/>
+            <a:ext cx="178053" cy="700022"/>
+          </a:xfrm>
+          <a:prstGeom prst="curvedConnector2">
+            <a:avLst/>
+          </a:prstGeom>
+          <a:ln>
+            <a:tailEnd type="triangle"/>
+          </a:ln>
+        </p:spPr>
+        <p:style>
+          <a:lnRef idx="1">
+            <a:schemeClr val="accent1"/>
+          </a:lnRef>
+          <a:fillRef idx="0">
+            <a:schemeClr val="accent1"/>
+          </a:fillRef>
+          <a:effectRef idx="0">
+            <a:schemeClr val="accent1"/>
+          </a:effectRef>
+          <a:fontRef idx="minor">
+            <a:schemeClr val="tx1"/>
+          </a:fontRef>
+        </p:style>
+      </p:cxnSp>
+      <p:cxnSp>
+        <p:nvCxnSpPr>
+          <p:cNvPr id="12" name="Curved Connector 11"/>
+          <p:cNvCxnSpPr/>
+          <p:nvPr/>
+        </p:nvCxnSpPr>
+        <p:spPr>
+          <a:xfrm rot="5400000">
+            <a:off x="3812073" y="1691135"/>
+            <a:ext cx="972723" cy="524092"/>
+          </a:xfrm>
+          <a:prstGeom prst="curvedConnector3">
+            <a:avLst/>
+          </a:prstGeom>
+          <a:ln>
+            <a:tailEnd type="triangle"/>
+          </a:ln>
+        </p:spPr>
+        <p:style>
+          <a:lnRef idx="1">
+            <a:schemeClr val="accent1"/>
+          </a:lnRef>
+          <a:fillRef idx="0">
+            <a:schemeClr val="accent1"/>
+          </a:fillRef>
+          <a:effectRef idx="0">
+            <a:schemeClr val="accent1"/>
+          </a:effectRef>
+          <a:fontRef idx="minor">
+            <a:schemeClr val="tx1"/>
+          </a:fontRef>
+        </p:style>
+      </p:cxnSp>
+      <p:sp>
+        <p:nvSpPr>
+          <p:cNvPr id="45" name="Oval 44"/>
+          <p:cNvSpPr/>
+          <p:nvPr/>
+        </p:nvSpPr>
+        <p:spPr>
+          <a:xfrm>
+            <a:off x="4116908" y="1014221"/>
+            <a:ext cx="949833" cy="413433"/>
+          </a:xfrm>
+          <a:prstGeom prst="ellipse">
+            <a:avLst/>
+          </a:prstGeom>
+        </p:spPr>
+        <p:style>
+          <a:lnRef idx="2">
+            <a:schemeClr val="accent1">
+              <a:shade val="50000"/>
+            </a:schemeClr>
+          </a:lnRef>
+          <a:fillRef idx="1">
+            <a:schemeClr val="accent1"/>
+          </a:fillRef>
+          <a:effectRef idx="0">
+            <a:schemeClr val="accent1"/>
+          </a:effectRef>
+          <a:fontRef idx="minor">
+            <a:schemeClr val="lt1"/>
+          </a:fontRef>
+        </p:style>
+        <p:txBody>
+          <a:bodyPr rtlCol="0" anchor="ctr"/>
+          <a:lstStyle/>
+          <a:p>
+            <a:pPr algn="ctr"/>
+            <a:r>
+              <a:rPr lang="en-US" sz="1200" dirty="0"/>
+              <a:t>1</a:t>
+            </a:r>
+            <a:r>
+              <a:rPr lang="en-US" sz="1200" dirty="0" smtClean="0"/>
+              <a:t>D tensor</a:t>
+            </a:r>
+            <a:endParaRPr lang="en-US" sz="1200" dirty="0"/>
+          </a:p>
+        </p:txBody>
+      </p:sp>
+      <p:sp>
+        <p:nvSpPr>
+          <p:cNvPr id="46" name="Oval 45"/>
+          <p:cNvSpPr/>
+          <p:nvPr/>
+        </p:nvSpPr>
+        <p:spPr>
+          <a:xfrm>
+            <a:off x="2637380" y="3539367"/>
+            <a:ext cx="949833" cy="413433"/>
+          </a:xfrm>
+          <a:prstGeom prst="ellipse">
+            <a:avLst/>
+          </a:prstGeom>
+        </p:spPr>
+        <p:style>
+          <a:lnRef idx="1">
+            <a:schemeClr val="accent5"/>
+          </a:lnRef>
+          <a:fillRef idx="2">
+            <a:schemeClr val="accent5"/>
+          </a:fillRef>
+          <a:effectRef idx="1">
+            <a:schemeClr val="accent5"/>
+          </a:effectRef>
+          <a:fontRef idx="minor">
+            <a:schemeClr val="dk1"/>
+          </a:fontRef>
+        </p:style>
+        <p:txBody>
+          <a:bodyPr rtlCol="0" anchor="ctr"/>
+          <a:lstStyle/>
+          <a:p>
+            <a:pPr algn="ctr"/>
+            <a:r>
+              <a:rPr lang="en-US" sz="1200" dirty="0" smtClean="0"/>
+              <a:t>3D tensor</a:t>
+            </a:r>
+            <a:endParaRPr lang="en-US" sz="1200" dirty="0"/>
+          </a:p>
+        </p:txBody>
+      </p:sp>
+      <p:cxnSp>
+        <p:nvCxnSpPr>
+          <p:cNvPr id="47" name="Curved Connector 46"/>
+          <p:cNvCxnSpPr>
+            <a:endCxn id="46" idx="0"/>
+          </p:cNvCxnSpPr>
+          <p:nvPr/>
+        </p:nvCxnSpPr>
+        <p:spPr>
+          <a:xfrm>
+            <a:off x="2373811" y="3082342"/>
+            <a:ext cx="738486" cy="457025"/>
+          </a:xfrm>
+          <a:prstGeom prst="curvedConnector2">
+            <a:avLst/>
+          </a:prstGeom>
+          <a:ln>
+            <a:tailEnd type="triangle"/>
+          </a:ln>
+        </p:spPr>
+        <p:style>
+          <a:lnRef idx="1">
+            <a:schemeClr val="accent1"/>
+          </a:lnRef>
+          <a:fillRef idx="0">
+            <a:schemeClr val="accent1"/>
+          </a:fillRef>
+          <a:effectRef idx="0">
+            <a:schemeClr val="accent1"/>
+          </a:effectRef>
+          <a:fontRef idx="minor">
+            <a:schemeClr val="tx1"/>
+          </a:fontRef>
+        </p:style>
+      </p:cxnSp>
+      <p:cxnSp>
+        <p:nvCxnSpPr>
+          <p:cNvPr id="48" name="Curved Connector 47"/>
+          <p:cNvCxnSpPr>
+            <a:stCxn id="46" idx="4"/>
+            <a:endCxn id="53" idx="2"/>
+          </p:cNvCxnSpPr>
+          <p:nvPr/>
+        </p:nvCxnSpPr>
+        <p:spPr>
+          <a:xfrm rot="16200000" flipH="1">
+            <a:off x="3234076" y="3831020"/>
+            <a:ext cx="491452" cy="735011"/>
+          </a:xfrm>
+          <a:prstGeom prst="curvedConnector2">
+            <a:avLst/>
+          </a:prstGeom>
+          <a:ln>
+            <a:tailEnd type="triangle"/>
+          </a:ln>
+        </p:spPr>
+        <p:style>
+          <a:lnRef idx="1">
+            <a:schemeClr val="accent1"/>
+          </a:lnRef>
+          <a:fillRef idx="0">
+            <a:schemeClr val="accent1"/>
+          </a:fillRef>
+          <a:effectRef idx="0">
+            <a:schemeClr val="accent1"/>
+          </a:effectRef>
+          <a:fontRef idx="minor">
+            <a:schemeClr val="tx1"/>
+          </a:fontRef>
+        </p:style>
+      </p:cxnSp>
+      <p:cxnSp>
+        <p:nvCxnSpPr>
+          <p:cNvPr id="50" name="Curved Connector 49"/>
+          <p:cNvCxnSpPr>
+            <a:stCxn id="53" idx="6"/>
+          </p:cNvCxnSpPr>
+          <p:nvPr/>
+        </p:nvCxnSpPr>
+        <p:spPr>
+          <a:xfrm flipH="1" flipV="1">
+            <a:off x="4236520" y="3179763"/>
+            <a:ext cx="513039" cy="1264489"/>
+          </a:xfrm>
+          <a:prstGeom prst="curvedConnector4">
+            <a:avLst>
+              <a:gd name="adj1" fmla="val -44558"/>
+              <a:gd name="adj2" fmla="val 58174"/>
+            </a:avLst>
+          </a:prstGeom>
+          <a:ln>
+            <a:tailEnd type="triangle"/>
+          </a:ln>
+        </p:spPr>
+        <p:style>
+          <a:lnRef idx="1">
+            <a:schemeClr val="accent1"/>
+          </a:lnRef>
+          <a:fillRef idx="0">
+            <a:schemeClr val="accent1"/>
+          </a:fillRef>
+          <a:effectRef idx="0">
+            <a:schemeClr val="accent1"/>
+          </a:effectRef>
+          <a:fontRef idx="minor">
+            <a:schemeClr val="tx1"/>
+          </a:fontRef>
+        </p:style>
+      </p:cxnSp>
+      <p:sp>
+        <p:nvSpPr>
+          <p:cNvPr id="53" name="Oval 52"/>
+          <p:cNvSpPr/>
+          <p:nvPr/>
+        </p:nvSpPr>
+        <p:spPr>
+          <a:xfrm>
+            <a:off x="3847308" y="4237535"/>
+            <a:ext cx="902251" cy="413433"/>
+          </a:xfrm>
+          <a:prstGeom prst="ellipse">
+            <a:avLst/>
+          </a:prstGeom>
+        </p:spPr>
+        <p:style>
+          <a:lnRef idx="1">
+            <a:schemeClr val="accent5"/>
+          </a:lnRef>
+          <a:fillRef idx="2">
+            <a:schemeClr val="accent5"/>
+          </a:fillRef>
+          <a:effectRef idx="1">
+            <a:schemeClr val="accent5"/>
+          </a:effectRef>
+          <a:fontRef idx="minor">
+            <a:schemeClr val="dk1"/>
+          </a:fontRef>
+        </p:style>
+        <p:txBody>
+          <a:bodyPr rtlCol="0" anchor="ctr"/>
+          <a:lstStyle/>
+          <a:p>
+            <a:pPr algn="ctr"/>
+            <a:r>
+              <a:rPr lang="en-US" sz="1200" dirty="0"/>
+              <a:t>1</a:t>
+            </a:r>
+            <a:r>
+              <a:rPr lang="en-US" sz="1200" dirty="0" smtClean="0"/>
+              <a:t>D tensor</a:t>
+            </a:r>
+            <a:endParaRPr lang="en-US" sz="1200" dirty="0"/>
+          </a:p>
+        </p:txBody>
+      </p:sp>
+      <p:sp>
+        <p:nvSpPr>
+          <p:cNvPr id="64" name="TextBox 63"/>
+          <p:cNvSpPr txBox="1"/>
+          <p:nvPr/>
+        </p:nvSpPr>
+        <p:spPr>
+          <a:xfrm rot="19767573">
+            <a:off x="2421367" y="2039290"/>
+            <a:ext cx="1103318" cy="276999"/>
+          </a:xfrm>
+          <a:prstGeom prst="rect">
+            <a:avLst/>
+          </a:prstGeom>
+          <a:noFill/>
+        </p:spPr>
+        <p:txBody>
+          <a:bodyPr wrap="square" rtlCol="0">
+            <a:spAutoFit/>
+          </a:bodyPr>
+          <a:lstStyle/>
+          <a:p>
+            <a:r>
+              <a:rPr lang="en-US" sz="1200" dirty="0" smtClean="0"/>
+              <a:t>convolution</a:t>
+            </a:r>
+            <a:endParaRPr lang="en-US" sz="1200" dirty="0"/>
+          </a:p>
+        </p:txBody>
+      </p:sp>
+      <p:sp>
+        <p:nvSpPr>
+          <p:cNvPr id="65" name="TextBox 64"/>
+          <p:cNvSpPr txBox="1"/>
+          <p:nvPr/>
+        </p:nvSpPr>
+        <p:spPr>
+          <a:xfrm rot="1490607">
+            <a:off x="2350288" y="3002579"/>
+            <a:ext cx="1103318" cy="276999"/>
+          </a:xfrm>
+          <a:prstGeom prst="rect">
+            <a:avLst/>
+          </a:prstGeom>
+          <a:noFill/>
+        </p:spPr>
+        <p:txBody>
+          <a:bodyPr wrap="square" rtlCol="0">
+            <a:spAutoFit/>
+          </a:bodyPr>
+          <a:lstStyle/>
+          <a:p>
+            <a:r>
+              <a:rPr lang="en-US" sz="1200" dirty="0" smtClean="0"/>
+              <a:t>convolution</a:t>
+            </a:r>
+            <a:endParaRPr lang="en-US" sz="1200" dirty="0"/>
+          </a:p>
+        </p:txBody>
+      </p:sp>
+      <p:sp>
+        <p:nvSpPr>
+          <p:cNvPr id="66" name="TextBox 65"/>
+          <p:cNvSpPr txBox="1"/>
+          <p:nvPr/>
+        </p:nvSpPr>
+        <p:spPr>
+          <a:xfrm>
+            <a:off x="3424996" y="1009424"/>
+            <a:ext cx="618759" cy="276999"/>
+          </a:xfrm>
+          <a:prstGeom prst="rect">
+            <a:avLst/>
+          </a:prstGeom>
+          <a:noFill/>
+        </p:spPr>
+        <p:txBody>
+          <a:bodyPr wrap="none" rtlCol="0">
+            <a:spAutoFit/>
+          </a:bodyPr>
+          <a:lstStyle/>
+          <a:p>
+            <a:r>
+              <a:rPr lang="en-US" sz="1200" smtClean="0"/>
+              <a:t>Flatten</a:t>
+            </a:r>
+          </a:p>
+        </p:txBody>
+      </p:sp>
+      <p:sp>
+        <p:nvSpPr>
+          <p:cNvPr id="67" name="TextBox 66"/>
+          <p:cNvSpPr txBox="1"/>
+          <p:nvPr/>
+        </p:nvSpPr>
+        <p:spPr>
+          <a:xfrm>
+            <a:off x="2912945" y="4247911"/>
+            <a:ext cx="618759" cy="276999"/>
+          </a:xfrm>
+          <a:prstGeom prst="rect">
+            <a:avLst/>
+          </a:prstGeom>
+          <a:noFill/>
+        </p:spPr>
+        <p:txBody>
+          <a:bodyPr wrap="none" rtlCol="0">
+            <a:spAutoFit/>
+          </a:bodyPr>
+          <a:lstStyle/>
+          <a:p>
+            <a:r>
+              <a:rPr lang="en-US" sz="1200" smtClean="0"/>
+              <a:t>Flatten</a:t>
+            </a:r>
+          </a:p>
+        </p:txBody>
+      </p:sp>
+      <p:sp>
+        <p:nvSpPr>
+          <p:cNvPr id="69" name="TextBox 68"/>
+          <p:cNvSpPr txBox="1"/>
+          <p:nvPr/>
+        </p:nvSpPr>
+        <p:spPr>
+          <a:xfrm rot="1536985">
+            <a:off x="4219153" y="3467648"/>
+            <a:ext cx="835966" cy="461665"/>
+          </a:xfrm>
+          <a:prstGeom prst="rect">
+            <a:avLst/>
+          </a:prstGeom>
+          <a:noFill/>
+        </p:spPr>
+        <p:txBody>
+          <a:bodyPr wrap="square" rtlCol="0">
+            <a:spAutoFit/>
+          </a:bodyPr>
+          <a:lstStyle/>
+          <a:p>
+            <a:r>
+              <a:rPr lang="en-US" sz="1200" dirty="0" smtClean="0"/>
+              <a:t>Logistic</a:t>
+            </a:r>
+          </a:p>
+          <a:p>
+            <a:r>
+              <a:rPr lang="en-US" sz="1200" dirty="0" smtClean="0"/>
+              <a:t>function</a:t>
+            </a:r>
+          </a:p>
+        </p:txBody>
+      </p:sp>
+      <p:sp>
+        <p:nvSpPr>
+          <p:cNvPr id="70" name="TextBox 69"/>
+          <p:cNvSpPr txBox="1"/>
+          <p:nvPr/>
+        </p:nvSpPr>
+        <p:spPr>
+          <a:xfrm rot="19140433">
+            <a:off x="4045908" y="1586114"/>
+            <a:ext cx="835966" cy="461665"/>
+          </a:xfrm>
+          <a:prstGeom prst="rect">
+            <a:avLst/>
+          </a:prstGeom>
+          <a:noFill/>
+        </p:spPr>
+        <p:txBody>
+          <a:bodyPr wrap="square" rtlCol="0">
+            <a:spAutoFit/>
+          </a:bodyPr>
+          <a:lstStyle/>
+          <a:p>
+            <a:r>
+              <a:rPr lang="en-US" sz="1200" dirty="0" smtClean="0"/>
+              <a:t>Logistic</a:t>
+            </a:r>
+          </a:p>
+          <a:p>
+            <a:r>
+              <a:rPr lang="en-US" sz="1200" dirty="0" smtClean="0"/>
+              <a:t>function</a:t>
             </a:r>
           </a:p>
         </p:txBody>

--- a/diagrams.pptx
+++ b/diagrams.pptx
@@ -199,7 +199,7 @@
           <a:p>
             <a:fld id="{BCB7C1EF-23DA-CE4E-95B2-344CDCA031BB}" type="datetimeFigureOut">
               <a:rPr lang="en-US" smtClean="0"/>
-              <a:t>5/26/18</a:t>
+              <a:t>5/27/18</a:t>
             </a:fld>
             <a:endParaRPr lang="en-US"/>
           </a:p>
@@ -598,7 +598,7 @@
           <a:p>
             <a:fld id="{B82AFCC3-AF3A-D14E-B643-AFFEE0B65E8D}" type="datetimeFigureOut">
               <a:rPr lang="en-US" smtClean="0"/>
-              <a:t>5/26/18</a:t>
+              <a:t>5/27/18</a:t>
             </a:fld>
             <a:endParaRPr lang="en-US"/>
           </a:p>
@@ -768,7 +768,7 @@
           <a:p>
             <a:fld id="{B82AFCC3-AF3A-D14E-B643-AFFEE0B65E8D}" type="datetimeFigureOut">
               <a:rPr lang="en-US" smtClean="0"/>
-              <a:t>5/26/18</a:t>
+              <a:t>5/27/18</a:t>
             </a:fld>
             <a:endParaRPr lang="en-US"/>
           </a:p>
@@ -948,7 +948,7 @@
           <a:p>
             <a:fld id="{B82AFCC3-AF3A-D14E-B643-AFFEE0B65E8D}" type="datetimeFigureOut">
               <a:rPr lang="en-US" smtClean="0"/>
-              <a:t>5/26/18</a:t>
+              <a:t>5/27/18</a:t>
             </a:fld>
             <a:endParaRPr lang="en-US"/>
           </a:p>
@@ -1118,7 +1118,7 @@
           <a:p>
             <a:fld id="{B82AFCC3-AF3A-D14E-B643-AFFEE0B65E8D}" type="datetimeFigureOut">
               <a:rPr lang="en-US" smtClean="0"/>
-              <a:t>5/26/18</a:t>
+              <a:t>5/27/18</a:t>
             </a:fld>
             <a:endParaRPr lang="en-US"/>
           </a:p>
@@ -1364,7 +1364,7 @@
           <a:p>
             <a:fld id="{B82AFCC3-AF3A-D14E-B643-AFFEE0B65E8D}" type="datetimeFigureOut">
               <a:rPr lang="en-US" smtClean="0"/>
-              <a:t>5/26/18</a:t>
+              <a:t>5/27/18</a:t>
             </a:fld>
             <a:endParaRPr lang="en-US"/>
           </a:p>
@@ -1596,7 +1596,7 @@
           <a:p>
             <a:fld id="{B82AFCC3-AF3A-D14E-B643-AFFEE0B65E8D}" type="datetimeFigureOut">
               <a:rPr lang="en-US" smtClean="0"/>
-              <a:t>5/26/18</a:t>
+              <a:t>5/27/18</a:t>
             </a:fld>
             <a:endParaRPr lang="en-US"/>
           </a:p>
@@ -1963,7 +1963,7 @@
           <a:p>
             <a:fld id="{B82AFCC3-AF3A-D14E-B643-AFFEE0B65E8D}" type="datetimeFigureOut">
               <a:rPr lang="en-US" smtClean="0"/>
-              <a:t>5/26/18</a:t>
+              <a:t>5/27/18</a:t>
             </a:fld>
             <a:endParaRPr lang="en-US"/>
           </a:p>
@@ -2081,7 +2081,7 @@
           <a:p>
             <a:fld id="{B82AFCC3-AF3A-D14E-B643-AFFEE0B65E8D}" type="datetimeFigureOut">
               <a:rPr lang="en-US" smtClean="0"/>
-              <a:t>5/26/18</a:t>
+              <a:t>5/27/18</a:t>
             </a:fld>
             <a:endParaRPr lang="en-US"/>
           </a:p>
@@ -2176,7 +2176,7 @@
           <a:p>
             <a:fld id="{B82AFCC3-AF3A-D14E-B643-AFFEE0B65E8D}" type="datetimeFigureOut">
               <a:rPr lang="en-US" smtClean="0"/>
-              <a:t>5/26/18</a:t>
+              <a:t>5/27/18</a:t>
             </a:fld>
             <a:endParaRPr lang="en-US"/>
           </a:p>
@@ -2453,7 +2453,7 @@
           <a:p>
             <a:fld id="{B82AFCC3-AF3A-D14E-B643-AFFEE0B65E8D}" type="datetimeFigureOut">
               <a:rPr lang="en-US" smtClean="0"/>
-              <a:t>5/26/18</a:t>
+              <a:t>5/27/18</a:t>
             </a:fld>
             <a:endParaRPr lang="en-US"/>
           </a:p>
@@ -2706,7 +2706,7 @@
           <a:p>
             <a:fld id="{B82AFCC3-AF3A-D14E-B643-AFFEE0B65E8D}" type="datetimeFigureOut">
               <a:rPr lang="en-US" smtClean="0"/>
-              <a:t>5/26/18</a:t>
+              <a:t>5/27/18</a:t>
             </a:fld>
             <a:endParaRPr lang="en-US"/>
           </a:p>
@@ -2919,7 +2919,7 @@
           <a:p>
             <a:fld id="{B82AFCC3-AF3A-D14E-B643-AFFEE0B65E8D}" type="datetimeFigureOut">
               <a:rPr lang="en-US" smtClean="0"/>
-              <a:t>5/26/18</a:t>
+              <a:t>5/27/18</a:t>
             </a:fld>
             <a:endParaRPr lang="en-US"/>
           </a:p>
@@ -3363,8 +3363,9 @@
             <a:pPr algn="ctr"/>
             <a:r>
               <a:rPr lang="en-US" sz="1600" dirty="0" smtClean="0"/>
-              <a:t>Linear</a:t>
+              <a:t>Linear data plots (150*150 pixel images)</a:t>
             </a:r>
+            <a:endParaRPr lang="en-US" sz="1600" dirty="0" smtClean="0"/>
           </a:p>
           <a:p>
             <a:pPr algn="ctr"/>
@@ -3418,8 +3419,20 @@
             <a:pPr algn="ctr"/>
             <a:r>
               <a:rPr lang="en-US" sz="1600" dirty="0" smtClean="0"/>
-              <a:t>Null</a:t>
+              <a:t>Null data plots</a:t>
             </a:r>
+          </a:p>
+          <a:p>
+            <a:pPr algn="ctr"/>
+            <a:r>
+              <a:rPr lang="en-US" sz="1600" dirty="0"/>
+              <a:t>(150*150 pixel images</a:t>
+            </a:r>
+            <a:r>
+              <a:rPr lang="en-US" sz="1600" dirty="0" smtClean="0"/>
+              <a:t>)</a:t>
+            </a:r>
+            <a:endParaRPr lang="en-US" sz="1600" dirty="0" smtClean="0"/>
           </a:p>
           <a:p>
             <a:pPr algn="ctr"/>
@@ -3736,7 +3749,7 @@
           <p:nvPr/>
         </p:nvSpPr>
         <p:spPr>
-          <a:xfrm rot="1425388">
+          <a:xfrm rot="1912893">
             <a:off x="9772984" y="2318640"/>
             <a:ext cx="1108710" cy="379694"/>
           </a:xfrm>
@@ -3779,7 +3792,7 @@
           <p:nvPr/>
         </p:nvSpPr>
         <p:spPr>
-          <a:xfrm rot="20229995">
+          <a:xfrm rot="20755788">
             <a:off x="9817021" y="2969158"/>
             <a:ext cx="1149329" cy="366928"/>
           </a:xfrm>
@@ -3822,7 +3835,7 @@
         </p:nvSpPr>
         <p:spPr>
           <a:xfrm>
-            <a:off x="10962188" y="2612488"/>
+            <a:off x="10962188" y="2718119"/>
             <a:ext cx="1089307" cy="528591"/>
           </a:xfrm>
           <a:prstGeom prst="roundRect">
@@ -3948,7 +3961,7 @@
         </p:nvSpPr>
         <p:spPr>
           <a:xfrm>
-            <a:off x="11233792" y="1195522"/>
+            <a:off x="11233791" y="1220937"/>
             <a:ext cx="546100" cy="1389890"/>
           </a:xfrm>
           <a:prstGeom prst="upArrow">

--- a/diagrams.pptx
+++ b/diagrams.pptx
@@ -5,12 +5,13 @@
     <p:sldMasterId id="2147483648" r:id="rId1"/>
   </p:sldMasterIdLst>
   <p:notesMasterIdLst>
-    <p:notesMasterId r:id="rId5"/>
+    <p:notesMasterId r:id="rId6"/>
   </p:notesMasterIdLst>
   <p:sldIdLst>
     <p:sldId id="256" r:id="rId2"/>
     <p:sldId id="259" r:id="rId3"/>
     <p:sldId id="260" r:id="rId4"/>
+    <p:sldId id="261" r:id="rId5"/>
   </p:sldIdLst>
   <p:sldSz cx="12192000" cy="6858000"/>
   <p:notesSz cx="6858000" cy="9144000"/>
@@ -3365,7 +3366,6 @@
               <a:rPr lang="en-US" sz="1600" dirty="0" smtClean="0"/>
               <a:t>Linear data plots (150*150 pixel images)</a:t>
             </a:r>
-            <a:endParaRPr lang="en-US" sz="1600" dirty="0" smtClean="0"/>
           </a:p>
           <a:p>
             <a:pPr algn="ctr"/>
@@ -3432,7 +3432,6 @@
               <a:rPr lang="en-US" sz="1600" dirty="0" smtClean="0"/>
               <a:t>)</a:t>
             </a:r>
-            <a:endParaRPr lang="en-US" sz="1600" dirty="0" smtClean="0"/>
           </a:p>
           <a:p>
             <a:pPr algn="ctr"/>
@@ -17588,6 +17587,1194 @@
     <p:extLst>
       <p:ext uri="{BB962C8B-B14F-4D97-AF65-F5344CB8AC3E}">
         <p14:creationId xmlns:p14="http://schemas.microsoft.com/office/powerpoint/2010/main" val="929333819"/>
+      </p:ext>
+    </p:extLst>
+  </p:cSld>
+  <p:clrMapOvr>
+    <a:masterClrMapping/>
+  </p:clrMapOvr>
+  <p:timing>
+    <p:tnLst>
+      <p:par>
+        <p:cTn id="1" dur="indefinite" restart="never" nodeType="tmRoot"/>
+      </p:par>
+    </p:tnLst>
+  </p:timing>
+</p:sld>
+</file>
+
+<file path=ppt/slides/slide4.xml><?xml version="1.0" encoding="utf-8"?>
+<p:sld xmlns:a="http://schemas.openxmlformats.org/drawingml/2006/main" xmlns:r="http://schemas.openxmlformats.org/officeDocument/2006/relationships" xmlns:p="http://schemas.openxmlformats.org/presentationml/2006/main">
+  <p:cSld>
+    <p:spTree>
+      <p:nvGrpSpPr>
+        <p:cNvPr id="1" name=""/>
+        <p:cNvGrpSpPr/>
+        <p:nvPr/>
+      </p:nvGrpSpPr>
+      <p:grpSpPr>
+        <a:xfrm>
+          <a:off x="0" y="0"/>
+          <a:ext cx="0" cy="0"/>
+          <a:chOff x="0" y="0"/>
+          <a:chExt cx="0" cy="0"/>
+        </a:xfrm>
+      </p:grpSpPr>
+      <p:sp>
+        <p:nvSpPr>
+          <p:cNvPr id="4" name="Rectangle 3"/>
+          <p:cNvSpPr/>
+          <p:nvPr/>
+        </p:nvSpPr>
+        <p:spPr>
+          <a:xfrm>
+            <a:off x="431800" y="355600"/>
+            <a:ext cx="1422400" cy="1155700"/>
+          </a:xfrm>
+          <a:prstGeom prst="rect">
+            <a:avLst/>
+          </a:prstGeom>
+        </p:spPr>
+        <p:style>
+          <a:lnRef idx="2">
+            <a:schemeClr val="accent1">
+              <a:shade val="50000"/>
+            </a:schemeClr>
+          </a:lnRef>
+          <a:fillRef idx="1">
+            <a:schemeClr val="accent1"/>
+          </a:fillRef>
+          <a:effectRef idx="0">
+            <a:schemeClr val="accent1"/>
+          </a:effectRef>
+          <a:fontRef idx="minor">
+            <a:schemeClr val="lt1"/>
+          </a:fontRef>
+        </p:style>
+        <p:txBody>
+          <a:bodyPr rtlCol="0" anchor="ctr"/>
+          <a:lstStyle/>
+          <a:p>
+            <a:pPr algn="ctr"/>
+            <a:r>
+              <a:rPr lang="en-US" sz="1400" smtClean="0"/>
+              <a:t>Survey 1: </a:t>
+            </a:r>
+          </a:p>
+          <a:p>
+            <a:pPr algn="ctr"/>
+            <a:r>
+              <a:rPr lang="en-US" sz="1400" dirty="0" smtClean="0"/>
+              <a:t>10 Lineup questions</a:t>
+            </a:r>
+            <a:endParaRPr lang="en-US" sz="1400" dirty="0"/>
+          </a:p>
+        </p:txBody>
+      </p:sp>
+      <p:sp>
+        <p:nvSpPr>
+          <p:cNvPr id="7" name="Rectangle 6"/>
+          <p:cNvSpPr/>
+          <p:nvPr/>
+        </p:nvSpPr>
+        <p:spPr>
+          <a:xfrm>
+            <a:off x="431800" y="1663700"/>
+            <a:ext cx="1422400" cy="1155700"/>
+          </a:xfrm>
+          <a:prstGeom prst="rect">
+            <a:avLst/>
+          </a:prstGeom>
+        </p:spPr>
+        <p:style>
+          <a:lnRef idx="2">
+            <a:schemeClr val="accent1">
+              <a:shade val="50000"/>
+            </a:schemeClr>
+          </a:lnRef>
+          <a:fillRef idx="1">
+            <a:schemeClr val="accent1"/>
+          </a:fillRef>
+          <a:effectRef idx="0">
+            <a:schemeClr val="accent1"/>
+          </a:effectRef>
+          <a:fontRef idx="minor">
+            <a:schemeClr val="lt1"/>
+          </a:fontRef>
+        </p:style>
+        <p:txBody>
+          <a:bodyPr rtlCol="0" anchor="ctr"/>
+          <a:lstStyle/>
+          <a:p>
+            <a:pPr algn="ctr"/>
+            <a:r>
+              <a:rPr lang="en-US" sz="1400" dirty="0" smtClean="0"/>
+              <a:t>Survey 2: </a:t>
+            </a:r>
+          </a:p>
+          <a:p>
+            <a:pPr algn="ctr"/>
+            <a:r>
+              <a:rPr lang="en-US" sz="1400" dirty="0" smtClean="0"/>
+              <a:t>10 Lineup questions</a:t>
+            </a:r>
+            <a:endParaRPr lang="en-US" sz="1400" dirty="0"/>
+          </a:p>
+        </p:txBody>
+      </p:sp>
+      <p:sp>
+        <p:nvSpPr>
+          <p:cNvPr id="8" name="Rectangle 7"/>
+          <p:cNvSpPr/>
+          <p:nvPr/>
+        </p:nvSpPr>
+        <p:spPr>
+          <a:xfrm>
+            <a:off x="431800" y="2971800"/>
+            <a:ext cx="1422400" cy="1155700"/>
+          </a:xfrm>
+          <a:prstGeom prst="rect">
+            <a:avLst/>
+          </a:prstGeom>
+        </p:spPr>
+        <p:style>
+          <a:lnRef idx="2">
+            <a:schemeClr val="accent1">
+              <a:shade val="50000"/>
+            </a:schemeClr>
+          </a:lnRef>
+          <a:fillRef idx="1">
+            <a:schemeClr val="accent1"/>
+          </a:fillRef>
+          <a:effectRef idx="0">
+            <a:schemeClr val="accent1"/>
+          </a:effectRef>
+          <a:fontRef idx="minor">
+            <a:schemeClr val="lt1"/>
+          </a:fontRef>
+        </p:style>
+        <p:txBody>
+          <a:bodyPr rtlCol="0" anchor="ctr"/>
+          <a:lstStyle/>
+          <a:p>
+            <a:pPr algn="ctr"/>
+            <a:r>
+              <a:rPr lang="en-US" sz="1400" dirty="0" smtClean="0"/>
+              <a:t>Survey 3: </a:t>
+            </a:r>
+          </a:p>
+          <a:p>
+            <a:pPr algn="ctr"/>
+            <a:r>
+              <a:rPr lang="en-US" sz="1400" dirty="0" smtClean="0"/>
+              <a:t>10 Lineup questions</a:t>
+            </a:r>
+            <a:endParaRPr lang="en-US" sz="1400" dirty="0"/>
+          </a:p>
+        </p:txBody>
+      </p:sp>
+      <p:sp>
+        <p:nvSpPr>
+          <p:cNvPr id="9" name="Rectangle 8"/>
+          <p:cNvSpPr/>
+          <p:nvPr/>
+        </p:nvSpPr>
+        <p:spPr>
+          <a:xfrm>
+            <a:off x="520700" y="4318000"/>
+            <a:ext cx="1257300" cy="850900"/>
+          </a:xfrm>
+          <a:prstGeom prst="rect">
+            <a:avLst/>
+          </a:prstGeom>
+        </p:spPr>
+        <p:style>
+          <a:lnRef idx="3">
+            <a:schemeClr val="lt1"/>
+          </a:lnRef>
+          <a:fillRef idx="1">
+            <a:schemeClr val="accent5"/>
+          </a:fillRef>
+          <a:effectRef idx="1">
+            <a:schemeClr val="accent5"/>
+          </a:effectRef>
+          <a:fontRef idx="minor">
+            <a:schemeClr val="lt1"/>
+          </a:fontRef>
+        </p:style>
+        <p:txBody>
+          <a:bodyPr rtlCol="0" anchor="ctr"/>
+          <a:lstStyle/>
+          <a:p>
+            <a:pPr algn="ctr"/>
+            <a:r>
+              <a:rPr lang="en-US" sz="1400" dirty="0" smtClean="0"/>
+              <a:t>Survey 4: </a:t>
+            </a:r>
+          </a:p>
+          <a:p>
+            <a:pPr algn="ctr"/>
+            <a:r>
+              <a:rPr lang="en-US" sz="1400" dirty="0"/>
+              <a:t>4</a:t>
+            </a:r>
+            <a:r>
+              <a:rPr lang="en-US" sz="1400" dirty="0" smtClean="0"/>
+              <a:t> Lineup questions</a:t>
+            </a:r>
+            <a:endParaRPr lang="en-US" sz="1400" dirty="0"/>
+          </a:p>
+        </p:txBody>
+      </p:sp>
+      <p:sp>
+        <p:nvSpPr>
+          <p:cNvPr id="11" name="Striped Right Arrow 10"/>
+          <p:cNvSpPr/>
+          <p:nvPr/>
+        </p:nvSpPr>
+        <p:spPr>
+          <a:xfrm>
+            <a:off x="1968499" y="2578100"/>
+            <a:ext cx="1638301" cy="635000"/>
+          </a:xfrm>
+          <a:prstGeom prst="stripedRightArrow">
+            <a:avLst/>
+          </a:prstGeom>
+        </p:spPr>
+        <p:style>
+          <a:lnRef idx="2">
+            <a:schemeClr val="accent1">
+              <a:shade val="50000"/>
+            </a:schemeClr>
+          </a:lnRef>
+          <a:fillRef idx="1">
+            <a:schemeClr val="accent1"/>
+          </a:fillRef>
+          <a:effectRef idx="0">
+            <a:schemeClr val="accent1"/>
+          </a:effectRef>
+          <a:fontRef idx="minor">
+            <a:schemeClr val="lt1"/>
+          </a:fontRef>
+        </p:style>
+        <p:txBody>
+          <a:bodyPr rtlCol="0" anchor="ctr"/>
+          <a:lstStyle/>
+          <a:p>
+            <a:pPr algn="ctr"/>
+            <a:r>
+              <a:rPr lang="en-US" sz="1400" smtClean="0"/>
+              <a:t>Randomly Sent</a:t>
+            </a:r>
+            <a:endParaRPr lang="en-US" sz="1400" dirty="0"/>
+          </a:p>
+        </p:txBody>
+      </p:sp>
+      <p:sp>
+        <p:nvSpPr>
+          <p:cNvPr id="12" name="Oval 11"/>
+          <p:cNvSpPr/>
+          <p:nvPr/>
+        </p:nvSpPr>
+        <p:spPr>
+          <a:xfrm>
+            <a:off x="3771900" y="749300"/>
+            <a:ext cx="1168400" cy="406400"/>
+          </a:xfrm>
+          <a:prstGeom prst="ellipse">
+            <a:avLst/>
+          </a:prstGeom>
+        </p:spPr>
+        <p:style>
+          <a:lnRef idx="1">
+            <a:schemeClr val="accent4"/>
+          </a:lnRef>
+          <a:fillRef idx="2">
+            <a:schemeClr val="accent4"/>
+          </a:fillRef>
+          <a:effectRef idx="1">
+            <a:schemeClr val="accent4"/>
+          </a:effectRef>
+          <a:fontRef idx="minor">
+            <a:schemeClr val="dk1"/>
+          </a:fontRef>
+        </p:style>
+        <p:txBody>
+          <a:bodyPr rtlCol="0" anchor="ctr"/>
+          <a:lstStyle/>
+          <a:p>
+            <a:pPr algn="ctr"/>
+            <a:r>
+              <a:rPr lang="en-US" sz="1400" smtClean="0"/>
+              <a:t>Human1</a:t>
+            </a:r>
+          </a:p>
+        </p:txBody>
+      </p:sp>
+      <p:sp>
+        <p:nvSpPr>
+          <p:cNvPr id="13" name="Oval 12"/>
+          <p:cNvSpPr/>
+          <p:nvPr/>
+        </p:nvSpPr>
+        <p:spPr>
+          <a:xfrm>
+            <a:off x="3771900" y="2959100"/>
+            <a:ext cx="1168400" cy="406400"/>
+          </a:xfrm>
+          <a:prstGeom prst="ellipse">
+            <a:avLst/>
+          </a:prstGeom>
+        </p:spPr>
+        <p:style>
+          <a:lnRef idx="1">
+            <a:schemeClr val="accent4"/>
+          </a:lnRef>
+          <a:fillRef idx="2">
+            <a:schemeClr val="accent4"/>
+          </a:fillRef>
+          <a:effectRef idx="1">
+            <a:schemeClr val="accent4"/>
+          </a:effectRef>
+          <a:fontRef idx="minor">
+            <a:schemeClr val="dk1"/>
+          </a:fontRef>
+        </p:style>
+        <p:txBody>
+          <a:bodyPr rtlCol="0" anchor="ctr"/>
+          <a:lstStyle/>
+          <a:p>
+            <a:pPr algn="ctr"/>
+            <a:r>
+              <a:rPr lang="en-US" sz="1400" smtClean="0"/>
+              <a:t>Human1</a:t>
+            </a:r>
+          </a:p>
+        </p:txBody>
+      </p:sp>
+      <p:sp>
+        <p:nvSpPr>
+          <p:cNvPr id="14" name="Oval 13"/>
+          <p:cNvSpPr/>
+          <p:nvPr/>
+        </p:nvSpPr>
+        <p:spPr>
+          <a:xfrm>
+            <a:off x="3771900" y="1323975"/>
+            <a:ext cx="1168400" cy="406400"/>
+          </a:xfrm>
+          <a:prstGeom prst="ellipse">
+            <a:avLst/>
+          </a:prstGeom>
+        </p:spPr>
+        <p:style>
+          <a:lnRef idx="1">
+            <a:schemeClr val="accent4"/>
+          </a:lnRef>
+          <a:fillRef idx="2">
+            <a:schemeClr val="accent4"/>
+          </a:fillRef>
+          <a:effectRef idx="1">
+            <a:schemeClr val="accent4"/>
+          </a:effectRef>
+          <a:fontRef idx="minor">
+            <a:schemeClr val="dk1"/>
+          </a:fontRef>
+        </p:style>
+        <p:txBody>
+          <a:bodyPr rtlCol="0" anchor="ctr"/>
+          <a:lstStyle/>
+          <a:p>
+            <a:pPr algn="ctr"/>
+            <a:r>
+              <a:rPr lang="en-US" sz="1400" smtClean="0"/>
+              <a:t>Human1</a:t>
+            </a:r>
+          </a:p>
+        </p:txBody>
+      </p:sp>
+      <p:sp>
+        <p:nvSpPr>
+          <p:cNvPr id="15" name="Oval 14"/>
+          <p:cNvSpPr/>
+          <p:nvPr/>
+        </p:nvSpPr>
+        <p:spPr>
+          <a:xfrm>
+            <a:off x="3771900" y="1905000"/>
+            <a:ext cx="1168400" cy="406400"/>
+          </a:xfrm>
+          <a:prstGeom prst="ellipse">
+            <a:avLst/>
+          </a:prstGeom>
+        </p:spPr>
+        <p:style>
+          <a:lnRef idx="1">
+            <a:schemeClr val="accent4"/>
+          </a:lnRef>
+          <a:fillRef idx="2">
+            <a:schemeClr val="accent4"/>
+          </a:fillRef>
+          <a:effectRef idx="1">
+            <a:schemeClr val="accent4"/>
+          </a:effectRef>
+          <a:fontRef idx="minor">
+            <a:schemeClr val="dk1"/>
+          </a:fontRef>
+        </p:style>
+        <p:txBody>
+          <a:bodyPr rtlCol="0" anchor="ctr"/>
+          <a:lstStyle/>
+          <a:p>
+            <a:pPr algn="ctr"/>
+            <a:r>
+              <a:rPr lang="en-US" sz="1400" smtClean="0"/>
+              <a:t>Human1</a:t>
+            </a:r>
+          </a:p>
+        </p:txBody>
+      </p:sp>
+      <p:sp>
+        <p:nvSpPr>
+          <p:cNvPr id="16" name="Oval 15"/>
+          <p:cNvSpPr/>
+          <p:nvPr/>
+        </p:nvSpPr>
+        <p:spPr>
+          <a:xfrm>
+            <a:off x="3771900" y="2413000"/>
+            <a:ext cx="1168400" cy="406400"/>
+          </a:xfrm>
+          <a:prstGeom prst="ellipse">
+            <a:avLst/>
+          </a:prstGeom>
+        </p:spPr>
+        <p:style>
+          <a:lnRef idx="1">
+            <a:schemeClr val="accent4"/>
+          </a:lnRef>
+          <a:fillRef idx="2">
+            <a:schemeClr val="accent4"/>
+          </a:fillRef>
+          <a:effectRef idx="1">
+            <a:schemeClr val="accent4"/>
+          </a:effectRef>
+          <a:fontRef idx="minor">
+            <a:schemeClr val="dk1"/>
+          </a:fontRef>
+        </p:style>
+        <p:txBody>
+          <a:bodyPr rtlCol="0" anchor="ctr"/>
+          <a:lstStyle/>
+          <a:p>
+            <a:pPr algn="ctr"/>
+            <a:r>
+              <a:rPr lang="en-US" sz="1400" smtClean="0"/>
+              <a:t>Human1</a:t>
+            </a:r>
+          </a:p>
+        </p:txBody>
+      </p:sp>
+      <p:sp>
+        <p:nvSpPr>
+          <p:cNvPr id="18" name="TextBox 17"/>
+          <p:cNvSpPr txBox="1"/>
+          <p:nvPr/>
+        </p:nvSpPr>
+        <p:spPr>
+          <a:xfrm rot="5400000">
+            <a:off x="4090115" y="3777019"/>
+            <a:ext cx="709769" cy="369332"/>
+          </a:xfrm>
+          <a:prstGeom prst="rect">
+            <a:avLst/>
+          </a:prstGeom>
+          <a:noFill/>
+        </p:spPr>
+        <p:txBody>
+          <a:bodyPr wrap="square" rtlCol="0">
+            <a:spAutoFit/>
+          </a:bodyPr>
+          <a:lstStyle/>
+          <a:p>
+            <a:r>
+              <a:rPr lang="mr-IN" smtClean="0"/>
+              <a:t>……</a:t>
+            </a:r>
+            <a:endParaRPr lang="en-US" dirty="0"/>
+          </a:p>
+        </p:txBody>
+      </p:sp>
+      <p:sp>
+        <p:nvSpPr>
+          <p:cNvPr id="19" name="TextBox 18"/>
+          <p:cNvSpPr txBox="1"/>
+          <p:nvPr/>
+        </p:nvSpPr>
+        <p:spPr>
+          <a:xfrm>
+            <a:off x="3848099" y="4316570"/>
+            <a:ext cx="1193800" cy="738664"/>
+          </a:xfrm>
+          <a:prstGeom prst="rect">
+            <a:avLst/>
+          </a:prstGeom>
+          <a:noFill/>
+        </p:spPr>
+        <p:txBody>
+          <a:bodyPr wrap="square" rtlCol="0">
+            <a:spAutoFit/>
+          </a:bodyPr>
+          <a:lstStyle/>
+          <a:p>
+            <a:r>
+              <a:rPr lang="en-US" sz="1400" dirty="0" smtClean="0"/>
+              <a:t>84 people received </a:t>
+            </a:r>
+            <a:r>
+              <a:rPr lang="en-US" sz="1400" smtClean="0"/>
+              <a:t>the invitation</a:t>
+            </a:r>
+            <a:endParaRPr lang="en-US" sz="1400"/>
+          </a:p>
+        </p:txBody>
+      </p:sp>
+      <p:sp>
+        <p:nvSpPr>
+          <p:cNvPr id="20" name="Right Brace 19"/>
+          <p:cNvSpPr/>
+          <p:nvPr/>
+        </p:nvSpPr>
+        <p:spPr>
+          <a:xfrm>
+            <a:off x="5041899" y="749300"/>
+            <a:ext cx="368301" cy="4305934"/>
+          </a:xfrm>
+          <a:prstGeom prst="rightBrace">
+            <a:avLst/>
+          </a:prstGeom>
+          <a:ln w="19050"/>
+        </p:spPr>
+        <p:style>
+          <a:lnRef idx="1">
+            <a:schemeClr val="accent1"/>
+          </a:lnRef>
+          <a:fillRef idx="0">
+            <a:schemeClr val="accent1"/>
+          </a:fillRef>
+          <a:effectRef idx="0">
+            <a:schemeClr val="accent1"/>
+          </a:effectRef>
+          <a:fontRef idx="minor">
+            <a:schemeClr val="tx1"/>
+          </a:fontRef>
+        </p:style>
+        <p:txBody>
+          <a:bodyPr rtlCol="0" anchor="ctr"/>
+          <a:lstStyle/>
+          <a:p>
+            <a:pPr algn="ctr"/>
+            <a:endParaRPr lang="en-US" sz="1400"/>
+          </a:p>
+        </p:txBody>
+      </p:sp>
+      <p:sp>
+        <p:nvSpPr>
+          <p:cNvPr id="21" name="Oval 20"/>
+          <p:cNvSpPr/>
+          <p:nvPr/>
+        </p:nvSpPr>
+        <p:spPr>
+          <a:xfrm>
+            <a:off x="5549900" y="2413000"/>
+            <a:ext cx="1663700" cy="952500"/>
+          </a:xfrm>
+          <a:prstGeom prst="ellipse">
+            <a:avLst/>
+          </a:prstGeom>
+        </p:spPr>
+        <p:style>
+          <a:lnRef idx="1">
+            <a:schemeClr val="accent4"/>
+          </a:lnRef>
+          <a:fillRef idx="2">
+            <a:schemeClr val="accent4"/>
+          </a:fillRef>
+          <a:effectRef idx="1">
+            <a:schemeClr val="accent4"/>
+          </a:effectRef>
+          <a:fontRef idx="minor">
+            <a:schemeClr val="dk1"/>
+          </a:fontRef>
+        </p:style>
+        <p:txBody>
+          <a:bodyPr rtlCol="0" anchor="ctr"/>
+          <a:lstStyle/>
+          <a:p>
+            <a:pPr algn="ctr"/>
+            <a:r>
+              <a:rPr lang="en-US" sz="1400" dirty="0" smtClean="0"/>
+              <a:t>22 </a:t>
+            </a:r>
+            <a:r>
+              <a:rPr lang="en-US" sz="1400" smtClean="0"/>
+              <a:t>people participated </a:t>
+            </a:r>
+            <a:endParaRPr lang="en-US" sz="1400"/>
+          </a:p>
+        </p:txBody>
+      </p:sp>
+      <p:sp>
+        <p:nvSpPr>
+          <p:cNvPr id="22" name="Rectangle 21"/>
+          <p:cNvSpPr/>
+          <p:nvPr/>
+        </p:nvSpPr>
+        <p:spPr>
+          <a:xfrm>
+            <a:off x="8128000" y="609600"/>
+            <a:ext cx="1574800" cy="317500"/>
+          </a:xfrm>
+          <a:prstGeom prst="rect">
+            <a:avLst/>
+          </a:prstGeom>
+        </p:spPr>
+        <p:style>
+          <a:lnRef idx="2">
+            <a:schemeClr val="accent1">
+              <a:shade val="50000"/>
+            </a:schemeClr>
+          </a:lnRef>
+          <a:fillRef idx="1">
+            <a:schemeClr val="accent1"/>
+          </a:fillRef>
+          <a:effectRef idx="0">
+            <a:schemeClr val="accent1"/>
+          </a:effectRef>
+          <a:fontRef idx="minor">
+            <a:schemeClr val="lt1"/>
+          </a:fontRef>
+        </p:style>
+        <p:txBody>
+          <a:bodyPr rtlCol="0" anchor="ctr"/>
+          <a:lstStyle/>
+          <a:p>
+            <a:pPr algn="ctr"/>
+            <a:r>
+              <a:rPr lang="en-US" sz="1400" smtClean="0"/>
+              <a:t>Evaluation 1</a:t>
+            </a:r>
+            <a:endParaRPr lang="en-US" sz="1400" dirty="0" smtClean="0"/>
+          </a:p>
+        </p:txBody>
+      </p:sp>
+      <p:sp>
+        <p:nvSpPr>
+          <p:cNvPr id="23" name="Rectangle 22"/>
+          <p:cNvSpPr/>
+          <p:nvPr/>
+        </p:nvSpPr>
+        <p:spPr>
+          <a:xfrm>
+            <a:off x="8128000" y="1155700"/>
+            <a:ext cx="1574800" cy="317500"/>
+          </a:xfrm>
+          <a:prstGeom prst="rect">
+            <a:avLst/>
+          </a:prstGeom>
+        </p:spPr>
+        <p:style>
+          <a:lnRef idx="2">
+            <a:schemeClr val="accent1">
+              <a:shade val="50000"/>
+            </a:schemeClr>
+          </a:lnRef>
+          <a:fillRef idx="1">
+            <a:schemeClr val="accent1"/>
+          </a:fillRef>
+          <a:effectRef idx="0">
+            <a:schemeClr val="accent1"/>
+          </a:effectRef>
+          <a:fontRef idx="minor">
+            <a:schemeClr val="lt1"/>
+          </a:fontRef>
+        </p:style>
+        <p:txBody>
+          <a:bodyPr rtlCol="0" anchor="ctr"/>
+          <a:lstStyle/>
+          <a:p>
+            <a:pPr algn="ctr"/>
+            <a:r>
+              <a:rPr lang="en-US" sz="1400" dirty="0" smtClean="0"/>
+              <a:t>Evaluation 2</a:t>
+            </a:r>
+          </a:p>
+        </p:txBody>
+      </p:sp>
+      <p:sp>
+        <p:nvSpPr>
+          <p:cNvPr id="24" name="Rectangle 23"/>
+          <p:cNvSpPr/>
+          <p:nvPr/>
+        </p:nvSpPr>
+        <p:spPr>
+          <a:xfrm>
+            <a:off x="8128000" y="1670050"/>
+            <a:ext cx="1574800" cy="317500"/>
+          </a:xfrm>
+          <a:prstGeom prst="rect">
+            <a:avLst/>
+          </a:prstGeom>
+        </p:spPr>
+        <p:style>
+          <a:lnRef idx="2">
+            <a:schemeClr val="accent1">
+              <a:shade val="50000"/>
+            </a:schemeClr>
+          </a:lnRef>
+          <a:fillRef idx="1">
+            <a:schemeClr val="accent1"/>
+          </a:fillRef>
+          <a:effectRef idx="0">
+            <a:schemeClr val="accent1"/>
+          </a:effectRef>
+          <a:fontRef idx="minor">
+            <a:schemeClr val="lt1"/>
+          </a:fontRef>
+        </p:style>
+        <p:txBody>
+          <a:bodyPr rtlCol="0" anchor="ctr"/>
+          <a:lstStyle/>
+          <a:p>
+            <a:pPr algn="ctr"/>
+            <a:r>
+              <a:rPr lang="en-US" sz="1400" dirty="0" smtClean="0"/>
+              <a:t>Evaluation 3</a:t>
+            </a:r>
+          </a:p>
+        </p:txBody>
+      </p:sp>
+      <p:sp>
+        <p:nvSpPr>
+          <p:cNvPr id="28" name="Rectangle 27"/>
+          <p:cNvSpPr/>
+          <p:nvPr/>
+        </p:nvSpPr>
+        <p:spPr>
+          <a:xfrm>
+            <a:off x="8128000" y="2159000"/>
+            <a:ext cx="1574800" cy="317500"/>
+          </a:xfrm>
+          <a:prstGeom prst="rect">
+            <a:avLst/>
+          </a:prstGeom>
+        </p:spPr>
+        <p:style>
+          <a:lnRef idx="2">
+            <a:schemeClr val="accent1">
+              <a:shade val="50000"/>
+            </a:schemeClr>
+          </a:lnRef>
+          <a:fillRef idx="1">
+            <a:schemeClr val="accent1"/>
+          </a:fillRef>
+          <a:effectRef idx="0">
+            <a:schemeClr val="accent1"/>
+          </a:effectRef>
+          <a:fontRef idx="minor">
+            <a:schemeClr val="lt1"/>
+          </a:fontRef>
+        </p:style>
+        <p:txBody>
+          <a:bodyPr rtlCol="0" anchor="ctr"/>
+          <a:lstStyle/>
+          <a:p>
+            <a:pPr algn="ctr"/>
+            <a:r>
+              <a:rPr lang="en-US" sz="1400" dirty="0" smtClean="0"/>
+              <a:t>Evaluation 4</a:t>
+            </a:r>
+          </a:p>
+        </p:txBody>
+      </p:sp>
+      <p:sp>
+        <p:nvSpPr>
+          <p:cNvPr id="29" name="Rectangle 28"/>
+          <p:cNvSpPr/>
+          <p:nvPr/>
+        </p:nvSpPr>
+        <p:spPr>
+          <a:xfrm>
+            <a:off x="8128000" y="2705100"/>
+            <a:ext cx="1574800" cy="317500"/>
+          </a:xfrm>
+          <a:prstGeom prst="rect">
+            <a:avLst/>
+          </a:prstGeom>
+        </p:spPr>
+        <p:style>
+          <a:lnRef idx="2">
+            <a:schemeClr val="accent1">
+              <a:shade val="50000"/>
+            </a:schemeClr>
+          </a:lnRef>
+          <a:fillRef idx="1">
+            <a:schemeClr val="accent1"/>
+          </a:fillRef>
+          <a:effectRef idx="0">
+            <a:schemeClr val="accent1"/>
+          </a:effectRef>
+          <a:fontRef idx="minor">
+            <a:schemeClr val="lt1"/>
+          </a:fontRef>
+        </p:style>
+        <p:txBody>
+          <a:bodyPr rtlCol="0" anchor="ctr"/>
+          <a:lstStyle/>
+          <a:p>
+            <a:pPr algn="ctr"/>
+            <a:r>
+              <a:rPr lang="en-US" sz="1400" dirty="0" smtClean="0"/>
+              <a:t>Evaluation 5</a:t>
+            </a:r>
+          </a:p>
+        </p:txBody>
+      </p:sp>
+      <p:sp>
+        <p:nvSpPr>
+          <p:cNvPr id="30" name="Rectangle 29"/>
+          <p:cNvSpPr/>
+          <p:nvPr/>
+        </p:nvSpPr>
+        <p:spPr>
+          <a:xfrm>
+            <a:off x="8128000" y="3219450"/>
+            <a:ext cx="1574800" cy="317500"/>
+          </a:xfrm>
+          <a:prstGeom prst="rect">
+            <a:avLst/>
+          </a:prstGeom>
+        </p:spPr>
+        <p:style>
+          <a:lnRef idx="2">
+            <a:schemeClr val="accent1">
+              <a:shade val="50000"/>
+            </a:schemeClr>
+          </a:lnRef>
+          <a:fillRef idx="1">
+            <a:schemeClr val="accent1"/>
+          </a:fillRef>
+          <a:effectRef idx="0">
+            <a:schemeClr val="accent1"/>
+          </a:effectRef>
+          <a:fontRef idx="minor">
+            <a:schemeClr val="lt1"/>
+          </a:fontRef>
+        </p:style>
+        <p:txBody>
+          <a:bodyPr rtlCol="0" anchor="ctr"/>
+          <a:lstStyle/>
+          <a:p>
+            <a:pPr algn="ctr"/>
+            <a:r>
+              <a:rPr lang="en-US" sz="1400" dirty="0" smtClean="0"/>
+              <a:t>Evaluation 6</a:t>
+            </a:r>
+          </a:p>
+        </p:txBody>
+      </p:sp>
+      <p:sp>
+        <p:nvSpPr>
+          <p:cNvPr id="31" name="TextBox 30"/>
+          <p:cNvSpPr txBox="1"/>
+          <p:nvPr/>
+        </p:nvSpPr>
+        <p:spPr>
+          <a:xfrm rot="5400000">
+            <a:off x="8701248" y="3942834"/>
+            <a:ext cx="709769" cy="369332"/>
+          </a:xfrm>
+          <a:prstGeom prst="rect">
+            <a:avLst/>
+          </a:prstGeom>
+          <a:noFill/>
+        </p:spPr>
+        <p:txBody>
+          <a:bodyPr wrap="square" rtlCol="0">
+            <a:spAutoFit/>
+          </a:bodyPr>
+          <a:lstStyle/>
+          <a:p>
+            <a:r>
+              <a:rPr lang="mr-IN" smtClean="0"/>
+              <a:t>……</a:t>
+            </a:r>
+            <a:endParaRPr lang="en-US" dirty="0"/>
+          </a:p>
+        </p:txBody>
+      </p:sp>
+      <p:cxnSp>
+        <p:nvCxnSpPr>
+          <p:cNvPr id="33" name="Straight Arrow Connector 32"/>
+          <p:cNvCxnSpPr/>
+          <p:nvPr/>
+        </p:nvCxnSpPr>
+        <p:spPr>
+          <a:xfrm flipV="1">
+            <a:off x="7213600" y="768350"/>
+            <a:ext cx="723900" cy="1809750"/>
+          </a:xfrm>
+          <a:prstGeom prst="straightConnector1">
+            <a:avLst/>
+          </a:prstGeom>
+          <a:ln>
+            <a:tailEnd type="triangle"/>
+          </a:ln>
+        </p:spPr>
+        <p:style>
+          <a:lnRef idx="1">
+            <a:schemeClr val="accent1"/>
+          </a:lnRef>
+          <a:fillRef idx="0">
+            <a:schemeClr val="accent1"/>
+          </a:fillRef>
+          <a:effectRef idx="0">
+            <a:schemeClr val="accent1"/>
+          </a:effectRef>
+          <a:fontRef idx="minor">
+            <a:schemeClr val="tx1"/>
+          </a:fontRef>
+        </p:style>
+      </p:cxnSp>
+      <p:cxnSp>
+        <p:nvCxnSpPr>
+          <p:cNvPr id="34" name="Straight Arrow Connector 33"/>
+          <p:cNvCxnSpPr/>
+          <p:nvPr/>
+        </p:nvCxnSpPr>
+        <p:spPr>
+          <a:xfrm flipV="1">
+            <a:off x="7289800" y="1323976"/>
+            <a:ext cx="647700" cy="1292224"/>
+          </a:xfrm>
+          <a:prstGeom prst="straightConnector1">
+            <a:avLst/>
+          </a:prstGeom>
+          <a:ln>
+            <a:tailEnd type="triangle"/>
+          </a:ln>
+        </p:spPr>
+        <p:style>
+          <a:lnRef idx="1">
+            <a:schemeClr val="accent1"/>
+          </a:lnRef>
+          <a:fillRef idx="0">
+            <a:schemeClr val="accent1"/>
+          </a:fillRef>
+          <a:effectRef idx="0">
+            <a:schemeClr val="accent1"/>
+          </a:effectRef>
+          <a:fontRef idx="minor">
+            <a:schemeClr val="tx1"/>
+          </a:fontRef>
+        </p:style>
+      </p:cxnSp>
+      <p:cxnSp>
+        <p:nvCxnSpPr>
+          <p:cNvPr id="37" name="Straight Arrow Connector 36"/>
+          <p:cNvCxnSpPr/>
+          <p:nvPr/>
+        </p:nvCxnSpPr>
+        <p:spPr>
+          <a:xfrm flipV="1">
+            <a:off x="7346950" y="1828800"/>
+            <a:ext cx="590550" cy="876300"/>
+          </a:xfrm>
+          <a:prstGeom prst="straightConnector1">
+            <a:avLst/>
+          </a:prstGeom>
+          <a:ln>
+            <a:tailEnd type="triangle"/>
+          </a:ln>
+        </p:spPr>
+        <p:style>
+          <a:lnRef idx="1">
+            <a:schemeClr val="accent1"/>
+          </a:lnRef>
+          <a:fillRef idx="0">
+            <a:schemeClr val="accent1"/>
+          </a:fillRef>
+          <a:effectRef idx="0">
+            <a:schemeClr val="accent1"/>
+          </a:effectRef>
+          <a:fontRef idx="minor">
+            <a:schemeClr val="tx1"/>
+          </a:fontRef>
+        </p:style>
+      </p:cxnSp>
+      <p:cxnSp>
+        <p:nvCxnSpPr>
+          <p:cNvPr id="41" name="Straight Arrow Connector 40"/>
+          <p:cNvCxnSpPr/>
+          <p:nvPr/>
+        </p:nvCxnSpPr>
+        <p:spPr>
+          <a:xfrm flipV="1">
+            <a:off x="7404100" y="2311400"/>
+            <a:ext cx="533400" cy="508000"/>
+          </a:xfrm>
+          <a:prstGeom prst="straightConnector1">
+            <a:avLst/>
+          </a:prstGeom>
+          <a:ln>
+            <a:tailEnd type="triangle"/>
+          </a:ln>
+        </p:spPr>
+        <p:style>
+          <a:lnRef idx="1">
+            <a:schemeClr val="accent1"/>
+          </a:lnRef>
+          <a:fillRef idx="0">
+            <a:schemeClr val="accent1"/>
+          </a:fillRef>
+          <a:effectRef idx="0">
+            <a:schemeClr val="accent1"/>
+          </a:effectRef>
+          <a:fontRef idx="minor">
+            <a:schemeClr val="tx1"/>
+          </a:fontRef>
+        </p:style>
+      </p:cxnSp>
+      <p:cxnSp>
+        <p:nvCxnSpPr>
+          <p:cNvPr id="44" name="Straight Arrow Connector 43"/>
+          <p:cNvCxnSpPr/>
+          <p:nvPr/>
+        </p:nvCxnSpPr>
+        <p:spPr>
+          <a:xfrm flipV="1">
+            <a:off x="7353300" y="2819400"/>
+            <a:ext cx="584200" cy="139700"/>
+          </a:xfrm>
+          <a:prstGeom prst="straightConnector1">
+            <a:avLst/>
+          </a:prstGeom>
+          <a:ln>
+            <a:tailEnd type="triangle"/>
+          </a:ln>
+        </p:spPr>
+        <p:style>
+          <a:lnRef idx="1">
+            <a:schemeClr val="accent1"/>
+          </a:lnRef>
+          <a:fillRef idx="0">
+            <a:schemeClr val="accent1"/>
+          </a:fillRef>
+          <a:effectRef idx="0">
+            <a:schemeClr val="accent1"/>
+          </a:effectRef>
+          <a:fontRef idx="minor">
+            <a:schemeClr val="tx1"/>
+          </a:fontRef>
+        </p:style>
+      </p:cxnSp>
+      <p:cxnSp>
+        <p:nvCxnSpPr>
+          <p:cNvPr id="47" name="Straight Arrow Connector 46"/>
+          <p:cNvCxnSpPr/>
+          <p:nvPr/>
+        </p:nvCxnSpPr>
+        <p:spPr>
+          <a:xfrm>
+            <a:off x="7289800" y="3082924"/>
+            <a:ext cx="647700" cy="219076"/>
+          </a:xfrm>
+          <a:prstGeom prst="straightConnector1">
+            <a:avLst/>
+          </a:prstGeom>
+          <a:ln>
+            <a:tailEnd type="triangle"/>
+          </a:ln>
+        </p:spPr>
+        <p:style>
+          <a:lnRef idx="1">
+            <a:schemeClr val="accent1"/>
+          </a:lnRef>
+          <a:fillRef idx="0">
+            <a:schemeClr val="accent1"/>
+          </a:fillRef>
+          <a:effectRef idx="0">
+            <a:schemeClr val="accent1"/>
+          </a:effectRef>
+          <a:fontRef idx="minor">
+            <a:schemeClr val="tx1"/>
+          </a:fontRef>
+        </p:style>
+      </p:cxnSp>
+      <p:sp>
+        <p:nvSpPr>
+          <p:cNvPr id="50" name="TextBox 49"/>
+          <p:cNvSpPr txBox="1"/>
+          <p:nvPr/>
+        </p:nvSpPr>
+        <p:spPr>
+          <a:xfrm rot="5400000">
+            <a:off x="7315915" y="3824643"/>
+            <a:ext cx="709769" cy="369332"/>
+          </a:xfrm>
+          <a:prstGeom prst="rect">
+            <a:avLst/>
+          </a:prstGeom>
+          <a:noFill/>
+        </p:spPr>
+        <p:txBody>
+          <a:bodyPr wrap="square" rtlCol="0">
+            <a:spAutoFit/>
+          </a:bodyPr>
+          <a:lstStyle/>
+          <a:p>
+            <a:r>
+              <a:rPr lang="mr-IN" smtClean="0"/>
+              <a:t>……</a:t>
+            </a:r>
+            <a:endParaRPr lang="en-US" dirty="0"/>
+          </a:p>
+        </p:txBody>
+      </p:sp>
+      <p:sp>
+        <p:nvSpPr>
+          <p:cNvPr id="51" name="TextBox 50"/>
+          <p:cNvSpPr txBox="1"/>
+          <p:nvPr/>
+        </p:nvSpPr>
+        <p:spPr>
+          <a:xfrm>
+            <a:off x="8459232" y="4348718"/>
+            <a:ext cx="1193800" cy="523220"/>
+          </a:xfrm>
+          <a:prstGeom prst="rect">
+            <a:avLst/>
+          </a:prstGeom>
+          <a:noFill/>
+        </p:spPr>
+        <p:txBody>
+          <a:bodyPr wrap="square" rtlCol="0">
+            <a:spAutoFit/>
+          </a:bodyPr>
+          <a:lstStyle/>
+          <a:p>
+            <a:r>
+              <a:rPr lang="en-US" sz="1400" dirty="0" smtClean="0"/>
+              <a:t>218 effective evaluations</a:t>
+            </a:r>
+            <a:endParaRPr lang="en-US" sz="1400" dirty="0"/>
+          </a:p>
+        </p:txBody>
+      </p:sp>
+    </p:spTree>
+    <p:extLst>
+      <p:ext uri="{BB962C8B-B14F-4D97-AF65-F5344CB8AC3E}">
+        <p14:creationId xmlns:p14="http://schemas.microsoft.com/office/powerpoint/2010/main" val="2012917333"/>
       </p:ext>
     </p:extLst>
   </p:cSld>

--- a/diagrams.pptx
+++ b/diagrams.pptx
@@ -200,7 +200,7 @@
           <a:p>
             <a:fld id="{BCB7C1EF-23DA-CE4E-95B2-344CDCA031BB}" type="datetimeFigureOut">
               <a:rPr lang="en-US" smtClean="0"/>
-              <a:t>5/27/18</a:t>
+              <a:t>6/2/18</a:t>
             </a:fld>
             <a:endParaRPr lang="en-US"/>
           </a:p>
@@ -599,7 +599,7 @@
           <a:p>
             <a:fld id="{B82AFCC3-AF3A-D14E-B643-AFFEE0B65E8D}" type="datetimeFigureOut">
               <a:rPr lang="en-US" smtClean="0"/>
-              <a:t>5/27/18</a:t>
+              <a:t>6/2/18</a:t>
             </a:fld>
             <a:endParaRPr lang="en-US"/>
           </a:p>
@@ -769,7 +769,7 @@
           <a:p>
             <a:fld id="{B82AFCC3-AF3A-D14E-B643-AFFEE0B65E8D}" type="datetimeFigureOut">
               <a:rPr lang="en-US" smtClean="0"/>
-              <a:t>5/27/18</a:t>
+              <a:t>6/2/18</a:t>
             </a:fld>
             <a:endParaRPr lang="en-US"/>
           </a:p>
@@ -949,7 +949,7 @@
           <a:p>
             <a:fld id="{B82AFCC3-AF3A-D14E-B643-AFFEE0B65E8D}" type="datetimeFigureOut">
               <a:rPr lang="en-US" smtClean="0"/>
-              <a:t>5/27/18</a:t>
+              <a:t>6/2/18</a:t>
             </a:fld>
             <a:endParaRPr lang="en-US"/>
           </a:p>
@@ -1119,7 +1119,7 @@
           <a:p>
             <a:fld id="{B82AFCC3-AF3A-D14E-B643-AFFEE0B65E8D}" type="datetimeFigureOut">
               <a:rPr lang="en-US" smtClean="0"/>
-              <a:t>5/27/18</a:t>
+              <a:t>6/2/18</a:t>
             </a:fld>
             <a:endParaRPr lang="en-US"/>
           </a:p>
@@ -1365,7 +1365,7 @@
           <a:p>
             <a:fld id="{B82AFCC3-AF3A-D14E-B643-AFFEE0B65E8D}" type="datetimeFigureOut">
               <a:rPr lang="en-US" smtClean="0"/>
-              <a:t>5/27/18</a:t>
+              <a:t>6/2/18</a:t>
             </a:fld>
             <a:endParaRPr lang="en-US"/>
           </a:p>
@@ -1597,7 +1597,7 @@
           <a:p>
             <a:fld id="{B82AFCC3-AF3A-D14E-B643-AFFEE0B65E8D}" type="datetimeFigureOut">
               <a:rPr lang="en-US" smtClean="0"/>
-              <a:t>5/27/18</a:t>
+              <a:t>6/2/18</a:t>
             </a:fld>
             <a:endParaRPr lang="en-US"/>
           </a:p>
@@ -1964,7 +1964,7 @@
           <a:p>
             <a:fld id="{B82AFCC3-AF3A-D14E-B643-AFFEE0B65E8D}" type="datetimeFigureOut">
               <a:rPr lang="en-US" smtClean="0"/>
-              <a:t>5/27/18</a:t>
+              <a:t>6/2/18</a:t>
             </a:fld>
             <a:endParaRPr lang="en-US"/>
           </a:p>
@@ -2082,7 +2082,7 @@
           <a:p>
             <a:fld id="{B82AFCC3-AF3A-D14E-B643-AFFEE0B65E8D}" type="datetimeFigureOut">
               <a:rPr lang="en-US" smtClean="0"/>
-              <a:t>5/27/18</a:t>
+              <a:t>6/2/18</a:t>
             </a:fld>
             <a:endParaRPr lang="en-US"/>
           </a:p>
@@ -2177,7 +2177,7 @@
           <a:p>
             <a:fld id="{B82AFCC3-AF3A-D14E-B643-AFFEE0B65E8D}" type="datetimeFigureOut">
               <a:rPr lang="en-US" smtClean="0"/>
-              <a:t>5/27/18</a:t>
+              <a:t>6/2/18</a:t>
             </a:fld>
             <a:endParaRPr lang="en-US"/>
           </a:p>
@@ -2454,7 +2454,7 @@
           <a:p>
             <a:fld id="{B82AFCC3-AF3A-D14E-B643-AFFEE0B65E8D}" type="datetimeFigureOut">
               <a:rPr lang="en-US" smtClean="0"/>
-              <a:t>5/27/18</a:t>
+              <a:t>6/2/18</a:t>
             </a:fld>
             <a:endParaRPr lang="en-US"/>
           </a:p>
@@ -2707,7 +2707,7 @@
           <a:p>
             <a:fld id="{B82AFCC3-AF3A-D14E-B643-AFFEE0B65E8D}" type="datetimeFigureOut">
               <a:rPr lang="en-US" smtClean="0"/>
-              <a:t>5/27/18</a:t>
+              <a:t>6/2/18</a:t>
             </a:fld>
             <a:endParaRPr lang="en-US"/>
           </a:p>
@@ -2920,7 +2920,7 @@
           <a:p>
             <a:fld id="{B82AFCC3-AF3A-D14E-B643-AFFEE0B65E8D}" type="datetimeFigureOut">
               <a:rPr lang="en-US" smtClean="0"/>
-              <a:t>5/27/18</a:t>
+              <a:t>6/2/18</a:t>
             </a:fld>
             <a:endParaRPr lang="en-US"/>
           </a:p>
@@ -3364,7 +3364,7 @@
             <a:pPr algn="ctr"/>
             <a:r>
               <a:rPr lang="en-US" sz="1600" dirty="0" smtClean="0"/>
-              <a:t>Linear data plots (150*150 pixel images)</a:t>
+              <a:t>Real data plots (150*150 pixel images)</a:t>
             </a:r>
           </a:p>
           <a:p>
@@ -3457,8 +3457,8 @@
         </p:nvSpPr>
         <p:spPr>
           <a:xfrm>
-            <a:off x="3489590" y="2395220"/>
-            <a:ext cx="1235056" cy="784543"/>
+            <a:off x="3232558" y="2395220"/>
+            <a:ext cx="1436348" cy="849036"/>
           </a:xfrm>
           <a:prstGeom prst="roundRect">
             <a:avLst/>
@@ -3484,15 +3484,8 @@
           <a:p>
             <a:pPr algn="ctr"/>
             <a:r>
-              <a:rPr lang="en-US" sz="1600" dirty="0" smtClean="0"/>
-              <a:t>Computer </a:t>
-            </a:r>
-          </a:p>
-          <a:p>
-            <a:pPr algn="ctr"/>
-            <a:r>
-              <a:rPr lang="en-US" sz="1600" dirty="0" smtClean="0"/>
-              <a:t>Models parameters</a:t>
+              <a:rPr lang="en-US" sz="1600" smtClean="0"/>
+              <a:t>Models saved from different epoch</a:t>
             </a:r>
             <a:endParaRPr lang="en-US" sz="1600" dirty="0"/>
           </a:p>
@@ -3536,7 +3529,7 @@
             <a:pPr algn="ctr"/>
             <a:r>
               <a:rPr lang="en-US" sz="1600" dirty="0" smtClean="0"/>
-              <a:t>Linear</a:t>
+              <a:t>Real data</a:t>
             </a:r>
           </a:p>
           <a:p>
@@ -3585,7 +3578,7 @@
             <a:pPr algn="ctr"/>
             <a:r>
               <a:rPr lang="en-US" sz="1600" dirty="0" smtClean="0"/>
-              <a:t>Null</a:t>
+              <a:t>Null data</a:t>
             </a:r>
           </a:p>
           <a:p>
@@ -3960,8 +3953,8 @@
         </p:nvSpPr>
         <p:spPr>
           <a:xfrm>
-            <a:off x="11233791" y="1220937"/>
-            <a:ext cx="546100" cy="1389890"/>
+            <a:off x="11233791" y="1220938"/>
+            <a:ext cx="546100" cy="992416"/>
           </a:xfrm>
           <a:prstGeom prst="upArrow">
             <a:avLst/>
@@ -3986,10 +3979,7 @@
           <a:lstStyle/>
           <a:p>
             <a:pPr algn="ctr"/>
-            <a:r>
-              <a:rPr lang="en-US" sz="1200" smtClean="0"/>
-              <a:t>Highest</a:t>
-            </a:r>
+            <a:endParaRPr lang="en-US" sz="1200" dirty="0" smtClean="0"/>
           </a:p>
         </p:txBody>
       </p:sp>
@@ -4075,7 +4065,7 @@
             <a:pPr algn="ctr"/>
             <a:r>
               <a:rPr lang="en-US" sz="1600" dirty="0" smtClean="0"/>
-              <a:t>Linear</a:t>
+              <a:t>Real data</a:t>
             </a:r>
           </a:p>
           <a:p>
@@ -4163,7 +4153,7 @@
             <a:pPr algn="ctr"/>
             <a:r>
               <a:rPr lang="en-US" sz="1600" dirty="0" smtClean="0"/>
-              <a:t>Null</a:t>
+              <a:t>Null data</a:t>
             </a:r>
           </a:p>
           <a:p>
@@ -4331,13 +4321,15 @@
       <p:cxnSp>
         <p:nvCxnSpPr>
           <p:cNvPr id="12" name="Curved Connector 11"/>
-          <p:cNvCxnSpPr/>
+          <p:cNvCxnSpPr>
+            <a:endCxn id="14" idx="0"/>
+          </p:cNvCxnSpPr>
           <p:nvPr/>
         </p:nvCxnSpPr>
         <p:spPr>
           <a:xfrm rot="5400000">
-            <a:off x="3812073" y="1691135"/>
-            <a:ext cx="972723" cy="524092"/>
+            <a:off x="3791407" y="1626145"/>
+            <a:ext cx="928401" cy="609749"/>
           </a:xfrm>
           <a:prstGeom prst="curvedConnector3">
             <a:avLst/>
@@ -4532,13 +4524,13 @@
         </p:nvCxnSpPr>
         <p:spPr>
           <a:xfrm flipH="1" flipV="1">
-            <a:off x="4236520" y="3179763"/>
-            <a:ext cx="513039" cy="1264489"/>
+            <a:off x="4229891" y="3272090"/>
+            <a:ext cx="519668" cy="1172162"/>
           </a:xfrm>
           <a:prstGeom prst="curvedConnector4">
             <a:avLst>
-              <a:gd name="adj1" fmla="val -44558"/>
-              <a:gd name="adj2" fmla="val 58174"/>
+              <a:gd name="adj1" fmla="val -43990"/>
+              <a:gd name="adj2" fmla="val 58818"/>
             </a:avLst>
           </a:prstGeom>
           <a:ln>
@@ -4767,7 +4759,7 @@
         </p:nvSpPr>
         <p:spPr>
           <a:xfrm rot="19140433">
-            <a:off x="4045908" y="1586114"/>
+            <a:off x="4045908" y="1523436"/>
             <a:ext cx="835966" cy="461665"/>
           </a:xfrm>
           <a:prstGeom prst="rect">
@@ -4791,6 +4783,36 @@
               <a:rPr lang="en-US" sz="1200" dirty="0" smtClean="0"/>
               <a:t>function</a:t>
             </a:r>
+          </a:p>
+        </p:txBody>
+      </p:sp>
+      <p:sp>
+        <p:nvSpPr>
+          <p:cNvPr id="9" name="TextBox 8"/>
+          <p:cNvSpPr txBox="1"/>
+          <p:nvPr/>
+        </p:nvSpPr>
+        <p:spPr>
+          <a:xfrm>
+            <a:off x="11074371" y="2202681"/>
+            <a:ext cx="892232" cy="369332"/>
+          </a:xfrm>
+          <a:prstGeom prst="rect">
+            <a:avLst/>
+          </a:prstGeom>
+          <a:noFill/>
+        </p:spPr>
+        <p:txBody>
+          <a:bodyPr wrap="none" rtlCol="0">
+            <a:spAutoFit/>
+          </a:bodyPr>
+          <a:lstStyle/>
+          <a:p>
+            <a:r>
+              <a:rPr lang="en-US" smtClean="0"/>
+              <a:t>Highest</a:t>
+            </a:r>
+            <a:endParaRPr lang="en-US"/>
           </a:p>
         </p:txBody>
       </p:sp>
@@ -4870,13 +4892,6 @@
             <a:pPr algn="ctr"/>
             <a:r>
               <a:rPr lang="en-US" sz="1600" dirty="0" smtClean="0"/>
-              <a:t>Linear</a:t>
-            </a:r>
-          </a:p>
-          <a:p>
-            <a:pPr algn="ctr"/>
-            <a:r>
-              <a:rPr lang="en-US" sz="1600" dirty="0" smtClean="0"/>
               <a:t>1 real plot</a:t>
             </a:r>
           </a:p>
@@ -5381,7 +5396,7 @@
             <a:pPr algn="ctr"/>
             <a:r>
               <a:rPr lang="en-US" sz="1600" dirty="0" smtClean="0"/>
-              <a:t>Linear</a:t>
+              <a:t>Real data</a:t>
             </a:r>
           </a:p>
           <a:p>
@@ -9598,8 +9613,8 @@
         </p:nvCxnSpPr>
         <p:spPr>
           <a:xfrm flipV="1">
-            <a:off x="1962410" y="812776"/>
-            <a:ext cx="2062448" cy="1567169"/>
+            <a:off x="1989189" y="1151697"/>
+            <a:ext cx="2089153" cy="1464429"/>
           </a:xfrm>
           <a:prstGeom prst="straightConnector1">
             <a:avLst/>
@@ -9631,7 +9646,7 @@
         </p:nvSpPr>
         <p:spPr>
           <a:xfrm>
-            <a:off x="2213033" y="230815"/>
+            <a:off x="2275608" y="603104"/>
             <a:ext cx="692626" cy="307777"/>
           </a:xfrm>
           <a:prstGeom prst="rect">
@@ -9661,13 +9676,13 @@
           <p:nvPr>
             <p:extLst>
               <p:ext uri="{D42A27DB-BD31-4B8C-83A1-F6EECF244321}">
-                <p14:modId xmlns:p14="http://schemas.microsoft.com/office/powerpoint/2010/main" val="224667475"/>
+                <p14:modId xmlns:p14="http://schemas.microsoft.com/office/powerpoint/2010/main" val="1633915028"/>
               </p:ext>
             </p:extLst>
           </p:nvPr>
         </p:nvGraphicFramePr>
         <p:xfrm>
-          <a:off x="2073316" y="538592"/>
+          <a:off x="2135891" y="910881"/>
           <a:ext cx="972060" cy="920847"/>
         </p:xfrm>
         <a:graphic>
@@ -10429,13 +10444,13 @@
           <p:nvPr>
             <p:extLst>
               <p:ext uri="{D42A27DB-BD31-4B8C-83A1-F6EECF244321}">
-                <p14:modId xmlns:p14="http://schemas.microsoft.com/office/powerpoint/2010/main" val="1149999934"/>
+                <p14:modId xmlns:p14="http://schemas.microsoft.com/office/powerpoint/2010/main" val="1861887686"/>
               </p:ext>
             </p:extLst>
           </p:nvPr>
         </p:nvGraphicFramePr>
         <p:xfrm>
-          <a:off x="4191608" y="168287"/>
+          <a:off x="4204664" y="455575"/>
           <a:ext cx="1229052" cy="1219200"/>
         </p:xfrm>
         <a:graphic>
@@ -11766,7 +11781,7 @@
         </p:nvCxnSpPr>
         <p:spPr>
           <a:xfrm>
-            <a:off x="5456147" y="782298"/>
+            <a:off x="5483361" y="1065175"/>
             <a:ext cx="1064713" cy="0"/>
           </a:xfrm>
           <a:prstGeom prst="straightConnector1">
@@ -11799,7 +11814,7 @@
         </p:nvSpPr>
         <p:spPr>
           <a:xfrm>
-            <a:off x="5670340" y="306372"/>
+            <a:off x="5682783" y="472786"/>
             <a:ext cx="636328" cy="523220"/>
           </a:xfrm>
           <a:prstGeom prst="rect">
@@ -11835,13 +11850,13 @@
           <p:nvPr>
             <p:extLst>
               <p:ext uri="{D42A27DB-BD31-4B8C-83A1-F6EECF244321}">
-                <p14:modId xmlns:p14="http://schemas.microsoft.com/office/powerpoint/2010/main" val="1552044891"/>
+                <p14:modId xmlns:p14="http://schemas.microsoft.com/office/powerpoint/2010/main" val="902965178"/>
               </p:ext>
             </p:extLst>
           </p:nvPr>
         </p:nvGraphicFramePr>
         <p:xfrm>
-          <a:off x="6565722" y="472786"/>
+          <a:off x="6597719" y="756992"/>
           <a:ext cx="584904" cy="609600"/>
         </p:xfrm>
         <a:graphic>
@@ -12194,7 +12209,7 @@
         </p:nvSpPr>
         <p:spPr>
           <a:xfrm rot="5400000">
-            <a:off x="2445418" y="5691044"/>
+            <a:off x="2183498" y="6204663"/>
             <a:ext cx="738251" cy="461665"/>
           </a:xfrm>
           <a:prstGeom prst="rect">
@@ -12224,7 +12239,7 @@
         </p:nvSpPr>
         <p:spPr>
           <a:xfrm rot="5400000">
-            <a:off x="5794939" y="5675270"/>
+            <a:off x="5823190" y="6313048"/>
             <a:ext cx="709769" cy="461665"/>
           </a:xfrm>
           <a:prstGeom prst="rect">
@@ -12254,8 +12269,8 @@
         </p:nvCxnSpPr>
         <p:spPr>
           <a:xfrm flipV="1">
-            <a:off x="1962410" y="2987813"/>
-            <a:ext cx="2212700" cy="359889"/>
+            <a:off x="1989189" y="3368117"/>
+            <a:ext cx="2089153" cy="4893"/>
           </a:xfrm>
           <a:prstGeom prst="straightConnector1">
             <a:avLst/>
@@ -12287,7 +12302,7 @@
         </p:nvSpPr>
         <p:spPr>
           <a:xfrm>
-            <a:off x="2813320" y="2350283"/>
+            <a:off x="2843935" y="2555961"/>
             <a:ext cx="692626" cy="307777"/>
           </a:xfrm>
           <a:prstGeom prst="rect">
@@ -12318,13 +12333,13 @@
           <p:nvPr>
             <p:extLst>
               <p:ext uri="{D42A27DB-BD31-4B8C-83A1-F6EECF244321}">
-                <p14:modId xmlns:p14="http://schemas.microsoft.com/office/powerpoint/2010/main" val="97184285"/>
+                <p14:modId xmlns:p14="http://schemas.microsoft.com/office/powerpoint/2010/main" val="1870447210"/>
               </p:ext>
             </p:extLst>
           </p:nvPr>
         </p:nvGraphicFramePr>
         <p:xfrm>
-          <a:off x="2562299" y="2654129"/>
+          <a:off x="2704218" y="2848350"/>
           <a:ext cx="972060" cy="920847"/>
         </p:xfrm>
         <a:graphic>
@@ -13086,13 +13101,13 @@
           <p:nvPr>
             <p:extLst>
               <p:ext uri="{D42A27DB-BD31-4B8C-83A1-F6EECF244321}">
-                <p14:modId xmlns:p14="http://schemas.microsoft.com/office/powerpoint/2010/main" val="2103930391"/>
+                <p14:modId xmlns:p14="http://schemas.microsoft.com/office/powerpoint/2010/main" val="1762118165"/>
               </p:ext>
             </p:extLst>
           </p:nvPr>
         </p:nvGraphicFramePr>
         <p:xfrm>
-          <a:off x="4201889" y="2135436"/>
+          <a:off x="4225477" y="2822339"/>
           <a:ext cx="1229052" cy="1219200"/>
         </p:xfrm>
         <a:graphic>
@@ -14423,7 +14438,7 @@
         </p:nvCxnSpPr>
         <p:spPr>
           <a:xfrm>
-            <a:off x="5475803" y="2444948"/>
+            <a:off x="5483362" y="3367336"/>
             <a:ext cx="1064713" cy="0"/>
           </a:xfrm>
           <a:prstGeom prst="straightConnector1">
@@ -14456,7 +14471,7 @@
         </p:nvSpPr>
         <p:spPr>
           <a:xfrm>
-            <a:off x="5689996" y="1969022"/>
+            <a:off x="5682783" y="2807138"/>
             <a:ext cx="636328" cy="523220"/>
           </a:xfrm>
           <a:prstGeom prst="rect">
@@ -14492,13 +14507,13 @@
           <p:nvPr>
             <p:extLst>
               <p:ext uri="{D42A27DB-BD31-4B8C-83A1-F6EECF244321}">
-                <p14:modId xmlns:p14="http://schemas.microsoft.com/office/powerpoint/2010/main" val="1715745268"/>
+                <p14:modId xmlns:p14="http://schemas.microsoft.com/office/powerpoint/2010/main" val="179786450"/>
               </p:ext>
             </p:extLst>
           </p:nvPr>
         </p:nvGraphicFramePr>
         <p:xfrm>
-          <a:off x="6585378" y="2135436"/>
+          <a:off x="6598078" y="3062536"/>
           <a:ext cx="584904" cy="609600"/>
         </p:xfrm>
         <a:graphic>
@@ -14852,7 +14867,7 @@
         <p:spPr>
           <a:xfrm>
             <a:off x="1962410" y="4124733"/>
-            <a:ext cx="2229198" cy="395259"/>
+            <a:ext cx="2115932" cy="1307721"/>
           </a:xfrm>
           <a:prstGeom prst="straightConnector1">
             <a:avLst/>
@@ -14885,13 +14900,13 @@
           <p:nvPr>
             <p:extLst>
               <p:ext uri="{D42A27DB-BD31-4B8C-83A1-F6EECF244321}">
-                <p14:modId xmlns:p14="http://schemas.microsoft.com/office/powerpoint/2010/main" val="1438778781"/>
+                <p14:modId xmlns:p14="http://schemas.microsoft.com/office/powerpoint/2010/main" val="2120507025"/>
               </p:ext>
             </p:extLst>
           </p:nvPr>
         </p:nvGraphicFramePr>
         <p:xfrm>
-          <a:off x="4225477" y="4140603"/>
+          <a:off x="4246751" y="4944815"/>
           <a:ext cx="1229052" cy="1219200"/>
         </p:xfrm>
         <a:graphic>
@@ -16222,7 +16237,7 @@
         </p:nvSpPr>
         <p:spPr>
           <a:xfrm>
-            <a:off x="2467007" y="4248960"/>
+            <a:off x="2206311" y="4590081"/>
             <a:ext cx="692626" cy="307777"/>
           </a:xfrm>
           <a:prstGeom prst="rect">
@@ -16252,13 +16267,13 @@
           <p:nvPr>
             <p:extLst>
               <p:ext uri="{D42A27DB-BD31-4B8C-83A1-F6EECF244321}">
-                <p14:modId xmlns:p14="http://schemas.microsoft.com/office/powerpoint/2010/main" val="1788871998"/>
+                <p14:modId xmlns:p14="http://schemas.microsoft.com/office/powerpoint/2010/main" val="367749567"/>
               </p:ext>
             </p:extLst>
           </p:nvPr>
         </p:nvGraphicFramePr>
         <p:xfrm>
-          <a:off x="2327290" y="4556737"/>
+          <a:off x="2066594" y="4867802"/>
           <a:ext cx="972060" cy="920847"/>
         </p:xfrm>
         <a:graphic>
@@ -17019,7 +17034,7 @@
         </p:nvSpPr>
         <p:spPr>
           <a:xfrm>
-            <a:off x="5720839" y="4226983"/>
+            <a:off x="5777811" y="5094090"/>
             <a:ext cx="636328" cy="523220"/>
           </a:xfrm>
           <a:prstGeom prst="rect">
@@ -17055,13 +17070,13 @@
           <p:nvPr>
             <p:extLst>
               <p:ext uri="{D42A27DB-BD31-4B8C-83A1-F6EECF244321}">
-                <p14:modId xmlns:p14="http://schemas.microsoft.com/office/powerpoint/2010/main" val="475553634"/>
+                <p14:modId xmlns:p14="http://schemas.microsoft.com/office/powerpoint/2010/main" val="2016296944"/>
               </p:ext>
             </p:extLst>
           </p:nvPr>
         </p:nvGraphicFramePr>
         <p:xfrm>
-          <a:off x="6623478" y="4294436"/>
+          <a:off x="6597719" y="5312510"/>
           <a:ext cx="584904" cy="609600"/>
         </p:xfrm>
         <a:graphic>
@@ -17414,7 +17429,7 @@
         </p:nvSpPr>
         <p:spPr>
           <a:xfrm>
-            <a:off x="5798807" y="4878660"/>
+            <a:off x="5900407" y="5793060"/>
             <a:ext cx="418704" cy="276999"/>
           </a:xfrm>
           <a:prstGeom prst="rect">
@@ -17462,7 +17477,7 @@
         </p:nvCxnSpPr>
         <p:spPr>
           <a:xfrm>
-            <a:off x="5513903" y="4750203"/>
+            <a:off x="5505992" y="5634323"/>
             <a:ext cx="1064713" cy="0"/>
           </a:xfrm>
           <a:prstGeom prst="straightConnector1">
@@ -17495,7 +17510,7 @@
         </p:nvSpPr>
         <p:spPr>
           <a:xfrm>
-            <a:off x="5793667" y="2571351"/>
+            <a:off x="5806367" y="3498451"/>
             <a:ext cx="418704" cy="276999"/>
           </a:xfrm>
           <a:prstGeom prst="rect">
@@ -17543,7 +17558,7 @@
         </p:nvSpPr>
         <p:spPr>
           <a:xfrm>
-            <a:off x="5779151" y="939506"/>
+            <a:off x="5778726" y="1232804"/>
             <a:ext cx="418704" cy="276999"/>
           </a:xfrm>
           <a:prstGeom prst="rect">
